--- a/P6_03_Presentation.pptx
+++ b/P6_03_Presentation.pptx
@@ -20,10 +20,10 @@
     <p:sldId id="311" r:id="rId11"/>
     <p:sldId id="301" r:id="rId12"/>
     <p:sldId id="338" r:id="rId13"/>
-    <p:sldId id="313" r:id="rId14"/>
-    <p:sldId id="335" r:id="rId15"/>
-    <p:sldId id="348" r:id="rId16"/>
-    <p:sldId id="331" r:id="rId17"/>
+    <p:sldId id="354" r:id="rId14"/>
+    <p:sldId id="313" r:id="rId15"/>
+    <p:sldId id="335" r:id="rId16"/>
+    <p:sldId id="355" r:id="rId17"/>
     <p:sldId id="328" r:id="rId18"/>
     <p:sldId id="317" r:id="rId19"/>
     <p:sldId id="303" r:id="rId20"/>
@@ -910,7 +910,7 @@
     </p:spTree>
     <p:extLst>
       <p:ext uri="{BB962C8B-B14F-4D97-AF65-F5344CB8AC3E}">
-        <p14:creationId xmlns:p14="http://schemas.microsoft.com/office/powerpoint/2010/main" val="2461381688"/>
+        <p14:creationId xmlns:p14="http://schemas.microsoft.com/office/powerpoint/2010/main" val="1265771282"/>
       </p:ext>
     </p:extLst>
   </p:cSld>
@@ -976,7 +976,7 @@
     </p:spTree>
     <p:extLst>
       <p:ext uri="{BB962C8B-B14F-4D97-AF65-F5344CB8AC3E}">
-        <p14:creationId xmlns:p14="http://schemas.microsoft.com/office/powerpoint/2010/main" val="1848009071"/>
+        <p14:creationId xmlns:p14="http://schemas.microsoft.com/office/powerpoint/2010/main" val="1010771912"/>
       </p:ext>
     </p:extLst>
   </p:cSld>
@@ -1570,7 +1570,7 @@
     </p:spTree>
     <p:extLst>
       <p:ext uri="{BB962C8B-B14F-4D97-AF65-F5344CB8AC3E}">
-        <p14:creationId xmlns:p14="http://schemas.microsoft.com/office/powerpoint/2010/main" val="1265771282"/>
+        <p14:creationId xmlns:p14="http://schemas.microsoft.com/office/powerpoint/2010/main" val="317073937"/>
       </p:ext>
     </p:extLst>
   </p:cSld>
@@ -15348,7 +15348,7 @@
           <a:p>
             <a:r>
               <a:rPr lang="en-US" dirty="0"/>
-              <a:t>Model Selection and Optimization</a:t>
+              <a:t>Image Data Preprocessing</a:t>
             </a:r>
           </a:p>
         </p:txBody>
@@ -15401,7 +15401,7 @@
         </p:nvSpPr>
         <p:spPr>
           <a:xfrm>
-            <a:off x="186412" y="832804"/>
+            <a:off x="186412" y="661471"/>
             <a:ext cx="4180778" cy="3820557"/>
           </a:xfrm>
         </p:spPr>
@@ -15421,7 +15421,7 @@
                 </a:solidFill>
                 <a:sym typeface="Wingdings" panose="05000000000000000000" pitchFamily="2" charset="2"/>
               </a:rPr>
-              <a:t>2 studied options :</a:t>
+              <a:t>Dataset overview :</a:t>
             </a:r>
           </a:p>
           <a:p>
@@ -15439,24 +15439,7 @@
                 </a:solidFill>
                 <a:sym typeface="Wingdings" panose="05000000000000000000" pitchFamily="2" charset="2"/>
               </a:rPr>
-              <a:t>Inertia minimization algorithm  </a:t>
-            </a:r>
-          </a:p>
-          <a:p>
-            <a:pPr marL="628650" lvl="1" indent="0">
-              <a:lnSpc>
-                <a:spcPct val="200000"/>
-              </a:lnSpc>
-              <a:buNone/>
-            </a:pPr>
-            <a:r>
-              <a:rPr lang="en-US" sz="1400" b="1" dirty="0">
-                <a:solidFill>
-                  <a:schemeClr val="tx1"/>
-                </a:solidFill>
-                <a:sym typeface="Wingdings" panose="05000000000000000000" pitchFamily="2" charset="2"/>
-              </a:rPr>
-              <a:t>	K-means</a:t>
+              <a:t>1 JSON file with 200k rows</a:t>
             </a:r>
           </a:p>
           <a:p>
@@ -15474,32 +15457,23 @@
                 </a:solidFill>
                 <a:sym typeface="Wingdings" panose="05000000000000000000" pitchFamily="2" charset="2"/>
               </a:rPr>
-              <a:t>Density based algorithm </a:t>
-            </a:r>
-            <a:r>
-              <a:rPr lang="en-US" sz="1400" b="1" dirty="0">
+              <a:t>200k photos</a:t>
+            </a:r>
+          </a:p>
+          <a:p>
+            <a:pPr>
+              <a:lnSpc>
+                <a:spcPct val="200000"/>
+              </a:lnSpc>
+            </a:pPr>
+            <a:r>
+              <a:rPr lang="en-US" sz="1400" dirty="0">
                 <a:solidFill>
                   <a:schemeClr val="tx1"/>
                 </a:solidFill>
                 <a:sym typeface="Wingdings" panose="05000000000000000000" pitchFamily="2" charset="2"/>
               </a:rPr>
-              <a:t> DBSCAN</a:t>
-            </a:r>
-          </a:p>
-          <a:p>
-            <a:pPr>
-              <a:lnSpc>
-                <a:spcPct val="200000"/>
-              </a:lnSpc>
-            </a:pPr>
-            <a:r>
-              <a:rPr lang="en-US" sz="1400" b="1" dirty="0">
-                <a:solidFill>
-                  <a:schemeClr val="tx1"/>
-                </a:solidFill>
-                <a:sym typeface="Wingdings" panose="05000000000000000000" pitchFamily="2" charset="2"/>
-              </a:rPr>
-              <a:t>Performance indicator : Silhouette score</a:t>
+              <a:t>Data cleaning and filtering</a:t>
             </a:r>
           </a:p>
           <a:p>
@@ -15517,43 +15491,7 @@
                 </a:solidFill>
                 <a:sym typeface="Wingdings" panose="05000000000000000000" pitchFamily="2" charset="2"/>
               </a:rPr>
-              <a:t>Measures </a:t>
-            </a:r>
-            <a:r>
-              <a:rPr lang="en-US" sz="1400" b="1" dirty="0">
-                <a:solidFill>
-                  <a:schemeClr val="tx1"/>
-                </a:solidFill>
-                <a:sym typeface="Wingdings" panose="05000000000000000000" pitchFamily="2" charset="2"/>
-              </a:rPr>
-              <a:t>the similarity </a:t>
-            </a:r>
-            <a:r>
-              <a:rPr lang="en-US" sz="1400" dirty="0">
-                <a:solidFill>
-                  <a:schemeClr val="tx1"/>
-                </a:solidFill>
-                <a:sym typeface="Wingdings" panose="05000000000000000000" pitchFamily="2" charset="2"/>
-              </a:rPr>
-              <a:t>of objects within clusters and </a:t>
-            </a:r>
-            <a:r>
-              <a:rPr lang="en-US" sz="1400" b="1" dirty="0">
-                <a:solidFill>
-                  <a:schemeClr val="tx1"/>
-                </a:solidFill>
-                <a:sym typeface="Wingdings" panose="05000000000000000000" pitchFamily="2" charset="2"/>
-              </a:rPr>
-              <a:t>the separation </a:t>
-            </a:r>
-            <a:r>
-              <a:rPr lang="en-US" sz="1400" dirty="0">
-                <a:solidFill>
-                  <a:schemeClr val="tx1"/>
-                </a:solidFill>
-                <a:sym typeface="Wingdings" panose="05000000000000000000" pitchFamily="2" charset="2"/>
-              </a:rPr>
-              <a:t>of different clusters.</a:t>
+              <a:t>Kept only photos from restaurants</a:t>
             </a:r>
           </a:p>
           <a:p>
@@ -15565,14 +15503,133 @@
               <a:buChar char="Ø"/>
             </a:pPr>
             <a:r>
-              <a:rPr lang="en-US" sz="1400" dirty="0">
+              <a:rPr lang="en-US" sz="1400" b="1" dirty="0">
                 <a:solidFill>
                   <a:schemeClr val="tx1"/>
                 </a:solidFill>
                 <a:sym typeface="Wingdings" panose="05000000000000000000" pitchFamily="2" charset="2"/>
               </a:rPr>
-              <a:t>Ranges from -1 to 1.</a:t>
-            </a:r>
+              <a:t>Removed corrupted files</a:t>
+            </a:r>
+          </a:p>
+          <a:p>
+            <a:pPr>
+              <a:lnSpc>
+                <a:spcPct val="200000"/>
+              </a:lnSpc>
+            </a:pPr>
+            <a:r>
+              <a:rPr lang="en-US" sz="1400" b="1" dirty="0">
+                <a:solidFill>
+                  <a:schemeClr val="tx1"/>
+                </a:solidFill>
+                <a:sym typeface="Wingdings" panose="05000000000000000000" pitchFamily="2" charset="2"/>
+              </a:rPr>
+              <a:t>Basic preprocessing : </a:t>
+            </a:r>
+          </a:p>
+          <a:p>
+            <a:pPr lvl="1">
+              <a:lnSpc>
+                <a:spcPct val="200000"/>
+              </a:lnSpc>
+              <a:buFont typeface="Wingdings" panose="05000000000000000000" pitchFamily="2" charset="2"/>
+              <a:buChar char="Ø"/>
+            </a:pPr>
+            <a:r>
+              <a:rPr lang="en-US" sz="1400" b="1" dirty="0" err="1">
+                <a:solidFill>
+                  <a:schemeClr val="tx1"/>
+                </a:solidFill>
+                <a:sym typeface="Wingdings" panose="05000000000000000000" pitchFamily="2" charset="2"/>
+              </a:rPr>
+              <a:t>Grayscaling</a:t>
+            </a:r>
+            <a:endParaRPr lang="en-US" sz="1400" b="1" dirty="0">
+              <a:solidFill>
+                <a:schemeClr val="tx1"/>
+              </a:solidFill>
+              <a:sym typeface="Wingdings" panose="05000000000000000000" pitchFamily="2" charset="2"/>
+            </a:endParaRPr>
+          </a:p>
+          <a:p>
+            <a:pPr lvl="1">
+              <a:lnSpc>
+                <a:spcPct val="200000"/>
+              </a:lnSpc>
+              <a:buFont typeface="Wingdings" panose="05000000000000000000" pitchFamily="2" charset="2"/>
+              <a:buChar char="Ø"/>
+            </a:pPr>
+            <a:r>
+              <a:rPr lang="en-US" sz="1400" b="1" dirty="0">
+                <a:solidFill>
+                  <a:schemeClr val="tx1"/>
+                </a:solidFill>
+                <a:sym typeface="Wingdings" panose="05000000000000000000" pitchFamily="2" charset="2"/>
+              </a:rPr>
+              <a:t>Image Normalization</a:t>
+            </a:r>
+          </a:p>
+          <a:p>
+            <a:pPr lvl="1">
+              <a:lnSpc>
+                <a:spcPct val="200000"/>
+              </a:lnSpc>
+              <a:buFont typeface="Wingdings" panose="05000000000000000000" pitchFamily="2" charset="2"/>
+              <a:buChar char="Ø"/>
+            </a:pPr>
+            <a:r>
+              <a:rPr lang="en-US" sz="1400" b="1" dirty="0">
+                <a:solidFill>
+                  <a:schemeClr val="tx1"/>
+                </a:solidFill>
+                <a:sym typeface="Wingdings" panose="05000000000000000000" pitchFamily="2" charset="2"/>
+              </a:rPr>
+              <a:t>Rescaling</a:t>
+            </a:r>
+          </a:p>
+          <a:p>
+            <a:pPr marL="171450" indent="0">
+              <a:lnSpc>
+                <a:spcPct val="200000"/>
+              </a:lnSpc>
+              <a:buNone/>
+            </a:pPr>
+            <a:endParaRPr lang="en-US" sz="1400" b="1" dirty="0">
+              <a:solidFill>
+                <a:schemeClr val="tx1"/>
+              </a:solidFill>
+              <a:sym typeface="Wingdings" panose="05000000000000000000" pitchFamily="2" charset="2"/>
+            </a:endParaRPr>
+          </a:p>
+          <a:p>
+            <a:pPr marL="171450" indent="0">
+              <a:lnSpc>
+                <a:spcPct val="200000"/>
+              </a:lnSpc>
+              <a:buNone/>
+            </a:pPr>
+            <a:endParaRPr lang="en-US" sz="1400" dirty="0">
+              <a:solidFill>
+                <a:schemeClr val="tx1"/>
+              </a:solidFill>
+              <a:sym typeface="Wingdings" panose="05000000000000000000" pitchFamily="2" charset="2"/>
+            </a:endParaRPr>
+          </a:p>
+          <a:p>
+            <a:pPr lvl="1">
+              <a:lnSpc>
+                <a:spcPct val="200000"/>
+              </a:lnSpc>
+              <a:buFont typeface="Wingdings" panose="05000000000000000000" pitchFamily="2" charset="2"/>
+              <a:buChar char="Ø"/>
+            </a:pPr>
+            <a:endParaRPr lang="en-US" sz="1400" dirty="0">
+              <a:solidFill>
+                <a:schemeClr val="tx1"/>
+              </a:solidFill>
+              <a:sym typeface="Wingdings" panose="05000000000000000000" pitchFamily="2" charset="2"/>
+            </a:endParaRPr>
           </a:p>
           <a:p>
             <a:pPr>
@@ -15620,7 +15677,7 @@
                   <a:schemeClr val="tx1"/>
                 </a:solidFill>
               </a:rPr>
-              <a:t>Candidate Models</a:t>
+              <a:t>Image Preprocessing 1/2</a:t>
             </a:r>
             <a:endParaRPr lang="en-US" b="1" dirty="0">
               <a:solidFill>
@@ -15632,10 +15689,10 @@
       </p:sp>
       <p:pic>
         <p:nvPicPr>
-          <p:cNvPr id="3074" name="Picture 2" descr="Understanding DBSCAN Algorithm and Implementation from Scratch | by  Andrewngai | Towards Data Science">
+          <p:cNvPr id="1026" name="Picture 2">
             <a:extLst>
               <a:ext uri="{FF2B5EF4-FFF2-40B4-BE49-F238E27FC236}">
-                <a16:creationId xmlns:a16="http://schemas.microsoft.com/office/drawing/2014/main" id="{EB2ACCFC-B370-74E4-FF73-AB41EC65E771}"/>
+                <a16:creationId xmlns:a16="http://schemas.microsoft.com/office/drawing/2014/main" id="{D3760D02-C826-2F04-45B6-9D2AC32D6930}"/>
               </a:ext>
             </a:extLst>
           </p:cNvPr>
@@ -15659,8 +15716,8 @@
         </p:blipFill>
         <p:spPr bwMode="auto">
           <a:xfrm>
-            <a:off x="4566782" y="1717097"/>
-            <a:ext cx="4577218" cy="1709305"/>
+            <a:off x="5752306" y="0"/>
+            <a:ext cx="3391694" cy="2571750"/>
           </a:xfrm>
           <a:prstGeom prst="rect">
             <a:avLst/>
@@ -15682,6 +15739,142 @@
           </a:extLst>
         </p:spPr>
       </p:pic>
+      <p:pic>
+        <p:nvPicPr>
+          <p:cNvPr id="2" name="Picture 2">
+            <a:extLst>
+              <a:ext uri="{FF2B5EF4-FFF2-40B4-BE49-F238E27FC236}">
+                <a16:creationId xmlns:a16="http://schemas.microsoft.com/office/drawing/2014/main" id="{8AE39243-70EB-5FA2-8D8C-8CE0B2BB1721}"/>
+              </a:ext>
+            </a:extLst>
+          </p:cNvPr>
+          <p:cNvPicPr>
+            <a:picLocks noChangeAspect="1" noChangeArrowheads="1"/>
+          </p:cNvPicPr>
+          <p:nvPr/>
+        </p:nvPicPr>
+        <p:blipFill>
+          <a:blip r:embed="rId4"/>
+          <a:srcRect/>
+          <a:stretch/>
+        </p:blipFill>
+        <p:spPr bwMode="auto">
+          <a:xfrm>
+            <a:off x="5752306" y="2571776"/>
+            <a:ext cx="3391694" cy="2571724"/>
+          </a:xfrm>
+          <a:prstGeom prst="rect">
+            <a:avLst/>
+          </a:prstGeom>
+          <a:noFill/>
+          <a:ln>
+            <a:solidFill>
+              <a:schemeClr val="tx1"/>
+            </a:solidFill>
+          </a:ln>
+          <a:extLst>
+            <a:ext uri="{909E8E84-426E-40DD-AFC4-6F175D3DCCD1}">
+              <a14:hiddenFill xmlns:a14="http://schemas.microsoft.com/office/drawing/2010/main">
+                <a:solidFill>
+                  <a:srgbClr val="FFFFFF"/>
+                </a:solidFill>
+              </a14:hiddenFill>
+            </a:ext>
+          </a:extLst>
+        </p:spPr>
+      </p:pic>
+      <p:sp>
+        <p:nvSpPr>
+          <p:cNvPr id="5" name="TextBox 4">
+            <a:extLst>
+              <a:ext uri="{FF2B5EF4-FFF2-40B4-BE49-F238E27FC236}">
+                <a16:creationId xmlns:a16="http://schemas.microsoft.com/office/drawing/2014/main" id="{59374FD6-0385-FADD-EEB9-4964394F2E3D}"/>
+              </a:ext>
+            </a:extLst>
+          </p:cNvPr>
+          <p:cNvSpPr txBox="1"/>
+          <p:nvPr/>
+        </p:nvSpPr>
+        <p:spPr>
+          <a:xfrm>
+            <a:off x="4776812" y="1024265"/>
+            <a:ext cx="861133" cy="523220"/>
+          </a:xfrm>
+          <a:prstGeom prst="rect">
+            <a:avLst/>
+          </a:prstGeom>
+          <a:noFill/>
+        </p:spPr>
+        <p:txBody>
+          <a:bodyPr wrap="none" rtlCol="0">
+            <a:spAutoFit/>
+          </a:bodyPr>
+          <a:lstStyle/>
+          <a:p>
+            <a:pPr algn="ctr"/>
+            <a:r>
+              <a:rPr lang="fr-FR" b="1" dirty="0"/>
+              <a:t>Original</a:t>
+            </a:r>
+          </a:p>
+          <a:p>
+            <a:pPr algn="ctr"/>
+            <a:r>
+              <a:rPr lang="fr-FR" b="1" dirty="0"/>
+              <a:t>Image</a:t>
+            </a:r>
+          </a:p>
+        </p:txBody>
+      </p:sp>
+      <p:sp>
+        <p:nvSpPr>
+          <p:cNvPr id="6" name="TextBox 5">
+            <a:extLst>
+              <a:ext uri="{FF2B5EF4-FFF2-40B4-BE49-F238E27FC236}">
+                <a16:creationId xmlns:a16="http://schemas.microsoft.com/office/drawing/2014/main" id="{6CC1A7C3-BABA-A060-4952-583DE5B86F96}"/>
+              </a:ext>
+            </a:extLst>
+          </p:cNvPr>
+          <p:cNvSpPr txBox="1"/>
+          <p:nvPr/>
+        </p:nvSpPr>
+        <p:spPr>
+          <a:xfrm>
+            <a:off x="4447142" y="3596015"/>
+            <a:ext cx="1305164" cy="523220"/>
+          </a:xfrm>
+          <a:prstGeom prst="rect">
+            <a:avLst/>
+          </a:prstGeom>
+          <a:noFill/>
+        </p:spPr>
+        <p:txBody>
+          <a:bodyPr wrap="none" rtlCol="0">
+            <a:spAutoFit/>
+          </a:bodyPr>
+          <a:lstStyle/>
+          <a:p>
+            <a:pPr algn="ctr"/>
+            <a:r>
+              <a:rPr lang="fr-FR" b="1" dirty="0" err="1"/>
+              <a:t>Grayscale</a:t>
+            </a:r>
+            <a:endParaRPr lang="fr-FR" b="1" dirty="0"/>
+          </a:p>
+          <a:p>
+            <a:pPr algn="ctr"/>
+            <a:r>
+              <a:rPr lang="fr-FR" b="1" dirty="0"/>
+              <a:t>+ </a:t>
+            </a:r>
+            <a:r>
+              <a:rPr lang="fr-FR" b="1" dirty="0" err="1"/>
+              <a:t>Normalized</a:t>
+            </a:r>
+            <a:endParaRPr lang="fr-FR" b="1" dirty="0"/>
+          </a:p>
+        </p:txBody>
+      </p:sp>
     </p:spTree>
     <p:extLst>
       <p:ext uri="{BB962C8B-B14F-4D97-AF65-F5344CB8AC3E}">
@@ -15749,7 +15942,7 @@
                   <a:schemeClr val="tx1"/>
                 </a:solidFill>
               </a:rPr>
-              <a:t>Optimization of the parameters </a:t>
+              <a:t>Input image size </a:t>
             </a:r>
             <a:r>
               <a:rPr lang="en-US" sz="1400" dirty="0">
@@ -15757,7 +15950,152 @@
                   <a:schemeClr val="tx1"/>
                 </a:solidFill>
               </a:rPr>
-              <a:t>of the 2 models using manual Grid search</a:t>
+              <a:t>defined as </a:t>
+            </a:r>
+            <a:r>
+              <a:rPr lang="en-US" sz="1400" b="1" dirty="0">
+                <a:solidFill>
+                  <a:schemeClr val="tx1"/>
+                </a:solidFill>
+              </a:rPr>
+              <a:t>160x160 </a:t>
+            </a:r>
+            <a:r>
+              <a:rPr lang="en-US" sz="1400" b="1" dirty="0" err="1">
+                <a:solidFill>
+                  <a:schemeClr val="tx1"/>
+                </a:solidFill>
+              </a:rPr>
+              <a:t>px</a:t>
+            </a:r>
+            <a:endParaRPr lang="en-US" sz="1400" b="1" dirty="0">
+              <a:solidFill>
+                <a:schemeClr val="tx1"/>
+              </a:solidFill>
+            </a:endParaRPr>
+          </a:p>
+          <a:p>
+            <a:pPr>
+              <a:lnSpc>
+                <a:spcPct val="200000"/>
+              </a:lnSpc>
+            </a:pPr>
+            <a:r>
+              <a:rPr lang="en-US" sz="1400" b="1" dirty="0">
+                <a:solidFill>
+                  <a:schemeClr val="tx1"/>
+                </a:solidFill>
+              </a:rPr>
+              <a:t>Gaussian smoothing </a:t>
+            </a:r>
+          </a:p>
+          <a:p>
+            <a:pPr>
+              <a:lnSpc>
+                <a:spcPct val="200000"/>
+              </a:lnSpc>
+            </a:pPr>
+            <a:r>
+              <a:rPr lang="en-US" sz="1400" b="1" dirty="0">
+                <a:solidFill>
+                  <a:schemeClr val="tx1"/>
+                </a:solidFill>
+              </a:rPr>
+              <a:t>Histogram equalization</a:t>
+            </a:r>
+          </a:p>
+          <a:p>
+            <a:pPr>
+              <a:lnSpc>
+                <a:spcPct val="200000"/>
+              </a:lnSpc>
+            </a:pPr>
+            <a:r>
+              <a:rPr lang="en-US" sz="1400" b="1" dirty="0">
+                <a:solidFill>
+                  <a:schemeClr val="tx1"/>
+                </a:solidFill>
+              </a:rPr>
+              <a:t>Data augmentation :</a:t>
+            </a:r>
+          </a:p>
+          <a:p>
+            <a:pPr lvl="1">
+              <a:lnSpc>
+                <a:spcPct val="200000"/>
+              </a:lnSpc>
+              <a:buFont typeface="Wingdings" panose="05000000000000000000" pitchFamily="2" charset="2"/>
+              <a:buChar char="Ø"/>
+            </a:pPr>
+            <a:r>
+              <a:rPr lang="en-US" sz="1400" dirty="0">
+                <a:solidFill>
+                  <a:schemeClr val="tx1"/>
+                </a:solidFill>
+              </a:rPr>
+              <a:t>Random flip (horizontal and vertical)</a:t>
+            </a:r>
+          </a:p>
+          <a:p>
+            <a:pPr lvl="1">
+              <a:lnSpc>
+                <a:spcPct val="200000"/>
+              </a:lnSpc>
+              <a:buFont typeface="Wingdings" panose="05000000000000000000" pitchFamily="2" charset="2"/>
+              <a:buChar char="Ø"/>
+            </a:pPr>
+            <a:r>
+              <a:rPr lang="en-US" sz="1400" dirty="0">
+                <a:solidFill>
+                  <a:schemeClr val="tx1"/>
+                </a:solidFill>
+              </a:rPr>
+              <a:t>Random zoom</a:t>
+            </a:r>
+          </a:p>
+          <a:p>
+            <a:pPr lvl="1">
+              <a:lnSpc>
+                <a:spcPct val="200000"/>
+              </a:lnSpc>
+              <a:buFont typeface="Wingdings" panose="05000000000000000000" pitchFamily="2" charset="2"/>
+              <a:buChar char="Ø"/>
+            </a:pPr>
+            <a:r>
+              <a:rPr lang="en-US" sz="1400" dirty="0">
+                <a:solidFill>
+                  <a:schemeClr val="tx1"/>
+                </a:solidFill>
+              </a:rPr>
+              <a:t>Random Rotation</a:t>
+            </a:r>
+            <a:endParaRPr lang="en-US" sz="800" dirty="0">
+              <a:solidFill>
+                <a:schemeClr val="tx1"/>
+              </a:solidFill>
+            </a:endParaRPr>
+          </a:p>
+          <a:p>
+            <a:pPr>
+              <a:lnSpc>
+                <a:spcPct val="200000"/>
+              </a:lnSpc>
+            </a:pPr>
+            <a:r>
+              <a:rPr lang="en-US" sz="1400" b="1" dirty="0">
+                <a:solidFill>
+                  <a:schemeClr val="tx1"/>
+                </a:solidFill>
+              </a:rPr>
+              <a:t>One hot encoding </a:t>
+            </a:r>
+            <a:r>
+              <a:rPr lang="en-US" sz="1400" dirty="0">
+                <a:solidFill>
+                  <a:schemeClr val="tx1"/>
+                </a:solidFill>
+              </a:rPr>
+              <a:t>labels</a:t>
             </a:r>
           </a:p>
           <a:p>
@@ -15773,43 +16111,30 @@
             </a:endParaRPr>
           </a:p>
           <a:p>
-            <a:pPr>
-              <a:lnSpc>
-                <a:spcPct val="200000"/>
-              </a:lnSpc>
+            <a:pPr marL="171450" indent="0">
+              <a:lnSpc>
+                <a:spcPct val="150000"/>
+              </a:lnSpc>
+              <a:buNone/>
             </a:pPr>
             <a:r>
-              <a:rPr lang="en-US" sz="1400" dirty="0">
+              <a:rPr lang="en-US" sz="1400" b="1" dirty="0">
                 <a:solidFill>
                   <a:schemeClr val="tx1"/>
                 </a:solidFill>
               </a:rPr>
-              <a:t>Compute </a:t>
+              <a:t>Goal </a:t>
             </a:r>
             <a:r>
               <a:rPr lang="en-US" sz="1400" b="1" dirty="0">
                 <a:solidFill>
                   <a:schemeClr val="tx1"/>
                 </a:solidFill>
+                <a:sym typeface="Wingdings" panose="05000000000000000000" pitchFamily="2" charset="2"/>
               </a:rPr>
-              <a:t>Silhouette score and Stability index </a:t>
-            </a:r>
-            <a:r>
-              <a:rPr lang="en-US" sz="1400" dirty="0">
-                <a:solidFill>
-                  <a:schemeClr val="tx1"/>
-                </a:solidFill>
-              </a:rPr>
-              <a:t>on the 2 models with the best hyperparameters</a:t>
-            </a:r>
-          </a:p>
-          <a:p>
-            <a:pPr>
-              <a:lnSpc>
-                <a:spcPct val="200000"/>
-              </a:lnSpc>
-            </a:pPr>
-            <a:endParaRPr lang="en-US" sz="800" dirty="0">
+              <a:t> Reducing overfitting, improving model performance</a:t>
+            </a:r>
+            <a:endParaRPr lang="en-US" sz="1400" b="1" dirty="0">
               <a:solidFill>
                 <a:schemeClr val="tx1"/>
               </a:solidFill>
@@ -15821,68 +16146,7 @@
                 <a:spcPct val="200000"/>
               </a:lnSpc>
             </a:pPr>
-            <a:r>
-              <a:rPr lang="en-US" sz="1400" dirty="0">
-                <a:solidFill>
-                  <a:schemeClr val="tx1"/>
-                </a:solidFill>
-              </a:rPr>
-              <a:t>Investigate the </a:t>
-            </a:r>
-            <a:r>
-              <a:rPr lang="en-US" sz="1400" b="1" dirty="0">
-                <a:solidFill>
-                  <a:schemeClr val="tx1"/>
-                </a:solidFill>
-              </a:rPr>
-              <a:t>shape</a:t>
-            </a:r>
-            <a:r>
-              <a:rPr lang="en-US" sz="1400" dirty="0">
-                <a:solidFill>
-                  <a:schemeClr val="tx1"/>
-                </a:solidFill>
-              </a:rPr>
-              <a:t> of both models using </a:t>
-            </a:r>
-            <a:r>
-              <a:rPr lang="en-US" sz="1400" b="1" dirty="0">
-                <a:solidFill>
-                  <a:schemeClr val="tx1"/>
-                </a:solidFill>
-              </a:rPr>
-              <a:t>PCA visualization</a:t>
-            </a:r>
-          </a:p>
-          <a:p>
-            <a:pPr>
-              <a:lnSpc>
-                <a:spcPct val="200000"/>
-              </a:lnSpc>
-            </a:pPr>
             <a:endParaRPr lang="en-US" sz="800" dirty="0">
-              <a:solidFill>
-                <a:schemeClr val="tx1"/>
-              </a:solidFill>
-            </a:endParaRPr>
-          </a:p>
-          <a:p>
-            <a:pPr marL="171450" indent="0">
-              <a:lnSpc>
-                <a:spcPct val="200000"/>
-              </a:lnSpc>
-              <a:buNone/>
-            </a:pPr>
-            <a:r>
-              <a:rPr lang="en-US" sz="1400" b="1" dirty="0">
-                <a:solidFill>
-                  <a:schemeClr val="tx1"/>
-                </a:solidFill>
-                <a:sym typeface="Wingdings" panose="05000000000000000000" pitchFamily="2" charset="2"/>
-              </a:rPr>
-              <a:t> DBSCAN has the best performance and will be chosen as our model</a:t>
-            </a:r>
-            <a:endParaRPr lang="en-US" sz="1400" b="1" dirty="0">
               <a:solidFill>
                 <a:schemeClr val="tx1"/>
               </a:solidFill>
@@ -15922,7 +16186,7 @@
                   <a:schemeClr val="tx1"/>
                 </a:solidFill>
               </a:rPr>
-              <a:t>Model Selection</a:t>
+              <a:t>Image Preprocessing 2/2</a:t>
             </a:r>
             <a:endParaRPr lang="en-US" sz="2200" b="1" dirty="0">
               <a:solidFill>
@@ -15934,150 +16198,80 @@
       </p:sp>
       <p:pic>
         <p:nvPicPr>
-          <p:cNvPr id="1026" name="Picture 2">
+          <p:cNvPr id="9" name="Picture 8">
             <a:extLst>
               <a:ext uri="{FF2B5EF4-FFF2-40B4-BE49-F238E27FC236}">
-                <a16:creationId xmlns:a16="http://schemas.microsoft.com/office/drawing/2014/main" id="{D37418CC-1F65-970C-AE54-BA41A8CF1D85}"/>
+                <a16:creationId xmlns:a16="http://schemas.microsoft.com/office/drawing/2014/main" id="{079B12BB-0733-5654-C106-3AE0CD860F13}"/>
               </a:ext>
             </a:extLst>
           </p:cNvPr>
           <p:cNvPicPr>
-            <a:picLocks noChangeAspect="1" noChangeArrowheads="1"/>
+            <a:picLocks noChangeAspect="1"/>
           </p:cNvPicPr>
           <p:nvPr/>
         </p:nvPicPr>
         <p:blipFill>
           <a:blip r:embed="rId3"/>
-          <a:srcRect/>
-          <a:stretch/>
+          <a:stretch>
+            <a:fillRect/>
+          </a:stretch>
         </p:blipFill>
-        <p:spPr bwMode="auto">
+        <p:spPr>
           <a:xfrm>
-            <a:off x="5362559" y="-1"/>
-            <a:ext cx="2990505" cy="2665595"/>
+            <a:off x="5004736" y="3017520"/>
+            <a:ext cx="3751304" cy="1889146"/>
           </a:xfrm>
           <a:prstGeom prst="rect">
             <a:avLst/>
           </a:prstGeom>
-          <a:noFill/>
           <a:ln>
             <a:solidFill>
               <a:schemeClr val="tx1"/>
             </a:solidFill>
           </a:ln>
-          <a:extLst>
-            <a:ext uri="{909E8E84-426E-40DD-AFC4-6F175D3DCCD1}">
-              <a14:hiddenFill xmlns:a14="http://schemas.microsoft.com/office/drawing/2010/main">
-                <a:solidFill>
-                  <a:srgbClr val="FFFFFF"/>
-                </a:solidFill>
-              </a14:hiddenFill>
-            </a:ext>
-          </a:extLst>
         </p:spPr>
       </p:pic>
       <p:pic>
         <p:nvPicPr>
-          <p:cNvPr id="2" name="Picture 2">
+          <p:cNvPr id="11" name="Picture 10">
             <a:extLst>
               <a:ext uri="{FF2B5EF4-FFF2-40B4-BE49-F238E27FC236}">
-                <a16:creationId xmlns:a16="http://schemas.microsoft.com/office/drawing/2014/main" id="{B7321810-4463-2275-97F9-C1133283C9BD}"/>
+                <a16:creationId xmlns:a16="http://schemas.microsoft.com/office/drawing/2014/main" id="{DF99283A-E581-0983-8451-AFA9E097E586}"/>
               </a:ext>
             </a:extLst>
           </p:cNvPr>
           <p:cNvPicPr>
-            <a:picLocks noChangeAspect="1" noChangeArrowheads="1"/>
+            <a:picLocks noChangeAspect="1"/>
           </p:cNvPicPr>
           <p:nvPr/>
         </p:nvPicPr>
         <p:blipFill>
-          <a:blip r:embed="rId4">
-            <a:extLst>
-              <a:ext uri="{28A0092B-C50C-407E-A947-70E740481C1C}">
-                <a14:useLocalDpi xmlns:a14="http://schemas.microsoft.com/office/drawing/2010/main" val="0"/>
-              </a:ext>
-            </a:extLst>
-          </a:blip>
-          <a:srcRect/>
+          <a:blip r:embed="rId4"/>
           <a:stretch>
             <a:fillRect/>
           </a:stretch>
         </p:blipFill>
-        <p:spPr bwMode="auto">
+        <p:spPr>
           <a:xfrm>
-            <a:off x="4613879" y="2666274"/>
-            <a:ext cx="2233171" cy="1909600"/>
+            <a:off x="5004736" y="534484"/>
+            <a:ext cx="3751304" cy="1942016"/>
           </a:xfrm>
           <a:prstGeom prst="rect">
             <a:avLst/>
           </a:prstGeom>
-          <a:noFill/>
           <a:ln>
             <a:solidFill>
               <a:schemeClr val="tx1"/>
             </a:solidFill>
           </a:ln>
-          <a:extLst>
-            <a:ext uri="{909E8E84-426E-40DD-AFC4-6F175D3DCCD1}">
-              <a14:hiddenFill xmlns:a14="http://schemas.microsoft.com/office/drawing/2010/main">
-                <a:solidFill>
-                  <a:srgbClr val="FFFFFF"/>
-                </a:solidFill>
-              </a14:hiddenFill>
-            </a:ext>
-          </a:extLst>
-        </p:spPr>
-      </p:pic>
-      <p:pic>
-        <p:nvPicPr>
-          <p:cNvPr id="5" name="Picture 2">
-            <a:extLst>
-              <a:ext uri="{FF2B5EF4-FFF2-40B4-BE49-F238E27FC236}">
-                <a16:creationId xmlns:a16="http://schemas.microsoft.com/office/drawing/2014/main" id="{7B03D4CA-56A1-6719-EE3D-6B7F02259691}"/>
-              </a:ext>
-            </a:extLst>
-          </p:cNvPr>
-          <p:cNvPicPr>
-            <a:picLocks noChangeAspect="1" noChangeArrowheads="1"/>
-          </p:cNvPicPr>
-          <p:nvPr/>
-        </p:nvPicPr>
-        <p:blipFill>
-          <a:blip r:embed="rId5"/>
-          <a:srcRect/>
-          <a:stretch/>
-        </p:blipFill>
-        <p:spPr bwMode="auto">
-          <a:xfrm>
-            <a:off x="6903801" y="2665595"/>
-            <a:ext cx="2198317" cy="1913870"/>
-          </a:xfrm>
-          <a:prstGeom prst="rect">
-            <a:avLst/>
-          </a:prstGeom>
-          <a:noFill/>
-          <a:ln>
-            <a:solidFill>
-              <a:schemeClr val="tx1"/>
-            </a:solidFill>
-          </a:ln>
-          <a:extLst>
-            <a:ext uri="{909E8E84-426E-40DD-AFC4-6F175D3DCCD1}">
-              <a14:hiddenFill xmlns:a14="http://schemas.microsoft.com/office/drawing/2010/main">
-                <a:solidFill>
-                  <a:srgbClr val="FFFFFF"/>
-                </a:solidFill>
-              </a14:hiddenFill>
-            </a:ext>
-          </a:extLst>
         </p:spPr>
       </p:pic>
       <p:sp>
         <p:nvSpPr>
-          <p:cNvPr id="6" name="TextBox 5">
+          <p:cNvPr id="12" name="TextBox 11">
             <a:extLst>
               <a:ext uri="{FF2B5EF4-FFF2-40B4-BE49-F238E27FC236}">
-                <a16:creationId xmlns:a16="http://schemas.microsoft.com/office/drawing/2014/main" id="{5B40ACC2-4283-0B8C-15BB-C69480C3338C}"/>
+                <a16:creationId xmlns:a16="http://schemas.microsoft.com/office/drawing/2014/main" id="{429220DF-DAF3-3982-3E7F-A2E81904C17B}"/>
               </a:ext>
             </a:extLst>
           </p:cNvPr>
@@ -16086,8 +16280,8 @@
         </p:nvSpPr>
         <p:spPr>
           <a:xfrm>
-            <a:off x="7110538" y="4676701"/>
-            <a:ext cx="1696177" cy="307777"/>
+            <a:off x="5963310" y="170801"/>
+            <a:ext cx="1834156" cy="307777"/>
           </a:xfrm>
           <a:prstGeom prst="rect">
             <a:avLst/>
@@ -16095,25 +16289,33 @@
           <a:noFill/>
         </p:spPr>
         <p:txBody>
-          <a:bodyPr wrap="square" rtlCol="0">
+          <a:bodyPr wrap="none" rtlCol="0">
             <a:spAutoFit/>
           </a:bodyPr>
           <a:lstStyle/>
           <a:p>
-            <a:pPr algn="ctr"/>
+            <a:r>
+              <a:rPr lang="fr-FR" b="1" u="sng" dirty="0" err="1"/>
+              <a:t>Before</a:t>
+            </a:r>
             <a:r>
               <a:rPr lang="fr-FR" b="1" u="sng" dirty="0"/>
-              <a:t>DBSCAN</a:t>
-            </a:r>
+              <a:t> </a:t>
+            </a:r>
+            <a:r>
+              <a:rPr lang="fr-FR" b="1" u="sng" dirty="0" err="1"/>
+              <a:t>equalization</a:t>
+            </a:r>
+            <a:endParaRPr lang="fr-FR" b="1" u="sng" dirty="0"/>
           </a:p>
         </p:txBody>
       </p:sp>
       <p:sp>
         <p:nvSpPr>
-          <p:cNvPr id="7" name="TextBox 6">
+          <p:cNvPr id="13" name="TextBox 12">
             <a:extLst>
               <a:ext uri="{FF2B5EF4-FFF2-40B4-BE49-F238E27FC236}">
-                <a16:creationId xmlns:a16="http://schemas.microsoft.com/office/drawing/2014/main" id="{224EE615-A44F-3650-A163-3187B1ED3B85}"/>
+                <a16:creationId xmlns:a16="http://schemas.microsoft.com/office/drawing/2014/main" id="{6F13128F-776A-1F96-85DF-4179F4EED49C}"/>
               </a:ext>
             </a:extLst>
           </p:cNvPr>
@@ -16122,8 +16324,8 @@
         </p:nvSpPr>
         <p:spPr>
           <a:xfrm>
-            <a:off x="4840495" y="4676700"/>
-            <a:ext cx="1696177" cy="307777"/>
+            <a:off x="5950276" y="2676744"/>
+            <a:ext cx="1685077" cy="307777"/>
           </a:xfrm>
           <a:prstGeom prst="rect">
             <a:avLst/>
@@ -16131,19 +16333,22 @@
           <a:noFill/>
         </p:spPr>
         <p:txBody>
-          <a:bodyPr wrap="square" rtlCol="0">
+          <a:bodyPr wrap="none" rtlCol="0">
             <a:spAutoFit/>
           </a:bodyPr>
           <a:lstStyle/>
           <a:p>
-            <a:pPr algn="ctr"/>
+            <a:r>
+              <a:rPr lang="fr-FR" b="1" u="sng" dirty="0" err="1"/>
+              <a:t>After</a:t>
+            </a:r>
             <a:r>
               <a:rPr lang="fr-FR" b="1" u="sng" dirty="0"/>
-              <a:t>K-</a:t>
+              <a:t> </a:t>
             </a:r>
             <a:r>
               <a:rPr lang="fr-FR" b="1" u="sng" dirty="0" err="1"/>
-              <a:t>means</a:t>
+              <a:t>equalization</a:t>
             </a:r>
             <a:endParaRPr lang="fr-FR" b="1" u="sng" dirty="0"/>
           </a:p>
@@ -16163,6 +16368,309 @@
 </file>
 
 <file path=ppt/slides/slide13.xml><?xml version="1.0" encoding="utf-8"?>
+<p:sld xmlns:a="http://schemas.openxmlformats.org/drawingml/2006/main" xmlns:r="http://schemas.openxmlformats.org/officeDocument/2006/relationships" xmlns:p="http://schemas.openxmlformats.org/presentationml/2006/main">
+  <p:cSld>
+    <p:spTree>
+      <p:nvGrpSpPr>
+        <p:cNvPr id="1" name=""/>
+        <p:cNvGrpSpPr/>
+        <p:nvPr/>
+      </p:nvGrpSpPr>
+      <p:grpSpPr>
+        <a:xfrm>
+          <a:off x="0" y="0"/>
+          <a:ext cx="0" cy="0"/>
+          <a:chOff x="0" y="0"/>
+          <a:chExt cx="0" cy="0"/>
+        </a:xfrm>
+      </p:grpSpPr>
+      <p:sp>
+        <p:nvSpPr>
+          <p:cNvPr id="4" name="Text Placeholder 3">
+            <a:extLst>
+              <a:ext uri="{FF2B5EF4-FFF2-40B4-BE49-F238E27FC236}">
+                <a16:creationId xmlns:a16="http://schemas.microsoft.com/office/drawing/2014/main" id="{41610F1B-947A-3609-E34C-6D6EF6D3BCE2}"/>
+              </a:ext>
+            </a:extLst>
+          </p:cNvPr>
+          <p:cNvSpPr>
+            <a:spLocks noGrp="1"/>
+          </p:cNvSpPr>
+          <p:nvPr>
+            <p:ph type="body" idx="1"/>
+          </p:nvPr>
+        </p:nvSpPr>
+        <p:spPr>
+          <a:xfrm>
+            <a:off x="0" y="661471"/>
+            <a:ext cx="4571999" cy="3820557"/>
+          </a:xfrm>
+        </p:spPr>
+        <p:txBody>
+          <a:bodyPr/>
+          <a:lstStyle/>
+          <a:p>
+            <a:pPr>
+              <a:lnSpc>
+                <a:spcPct val="250000"/>
+              </a:lnSpc>
+            </a:pPr>
+            <a:r>
+              <a:rPr lang="en-US" sz="1400" b="1" dirty="0">
+                <a:solidFill>
+                  <a:schemeClr val="tx1"/>
+                </a:solidFill>
+              </a:rPr>
+              <a:t>Feature extraction </a:t>
+            </a:r>
+            <a:r>
+              <a:rPr lang="en-US" sz="1400" dirty="0">
+                <a:solidFill>
+                  <a:schemeClr val="tx1"/>
+                </a:solidFill>
+              </a:rPr>
+              <a:t>using MobileNetV2 model without top layers</a:t>
+            </a:r>
+            <a:r>
+              <a:rPr lang="en-US" sz="1400" b="1" dirty="0">
+                <a:solidFill>
+                  <a:schemeClr val="tx1"/>
+                </a:solidFill>
+              </a:rPr>
+              <a:t> </a:t>
+            </a:r>
+            <a:r>
+              <a:rPr lang="en-US" sz="1400" b="1" dirty="0">
+                <a:solidFill>
+                  <a:schemeClr val="tx1"/>
+                </a:solidFill>
+                <a:sym typeface="Wingdings" panose="05000000000000000000" pitchFamily="2" charset="2"/>
+              </a:rPr>
+              <a:t> 5*5*1280 features</a:t>
+            </a:r>
+          </a:p>
+          <a:p>
+            <a:pPr>
+              <a:lnSpc>
+                <a:spcPct val="250000"/>
+              </a:lnSpc>
+            </a:pPr>
+            <a:r>
+              <a:rPr lang="en-US" sz="1400" b="1" dirty="0">
+                <a:solidFill>
+                  <a:schemeClr val="tx1"/>
+                </a:solidFill>
+                <a:sym typeface="Wingdings" panose="05000000000000000000" pitchFamily="2" charset="2"/>
+              </a:rPr>
+              <a:t>Reducing dimension </a:t>
+            </a:r>
+            <a:r>
+              <a:rPr lang="en-US" sz="1400" dirty="0">
+                <a:solidFill>
+                  <a:schemeClr val="tx1"/>
+                </a:solidFill>
+                <a:sym typeface="Wingdings" panose="05000000000000000000" pitchFamily="2" charset="2"/>
+              </a:rPr>
+              <a:t>by applying a Global Average Pooling 2D layer  1280 features</a:t>
+            </a:r>
+          </a:p>
+          <a:p>
+            <a:pPr>
+              <a:lnSpc>
+                <a:spcPct val="250000"/>
+              </a:lnSpc>
+            </a:pPr>
+            <a:r>
+              <a:rPr lang="en-US" sz="1400" b="1" dirty="0">
+                <a:solidFill>
+                  <a:schemeClr val="tx1"/>
+                </a:solidFill>
+                <a:sym typeface="Wingdings" panose="05000000000000000000" pitchFamily="2" charset="2"/>
+              </a:rPr>
+              <a:t>Dimensionality reduction </a:t>
+            </a:r>
+            <a:r>
+              <a:rPr lang="en-US" sz="1400" dirty="0">
+                <a:solidFill>
+                  <a:schemeClr val="tx1"/>
+                </a:solidFill>
+                <a:sym typeface="Wingdings" panose="05000000000000000000" pitchFamily="2" charset="2"/>
+              </a:rPr>
+              <a:t>with UMAP  3 components</a:t>
+            </a:r>
+          </a:p>
+          <a:p>
+            <a:pPr>
+              <a:lnSpc>
+                <a:spcPct val="250000"/>
+              </a:lnSpc>
+            </a:pPr>
+            <a:r>
+              <a:rPr lang="en-US" sz="1400" dirty="0">
+                <a:solidFill>
+                  <a:schemeClr val="tx1"/>
+                </a:solidFill>
+              </a:rPr>
+              <a:t>3D Visualization</a:t>
+            </a:r>
+          </a:p>
+          <a:p>
+            <a:pPr marL="171450" indent="0">
+              <a:lnSpc>
+                <a:spcPct val="200000"/>
+              </a:lnSpc>
+              <a:buNone/>
+            </a:pPr>
+            <a:r>
+              <a:rPr lang="en-US" sz="1400" dirty="0">
+                <a:solidFill>
+                  <a:schemeClr val="tx1"/>
+                </a:solidFill>
+                <a:sym typeface="Wingdings" panose="05000000000000000000" pitchFamily="2" charset="2"/>
+              </a:rPr>
+              <a:t> </a:t>
+            </a:r>
+            <a:r>
+              <a:rPr lang="en-US" sz="1400" b="1" dirty="0">
+                <a:solidFill>
+                  <a:schemeClr val="tx1"/>
+                </a:solidFill>
+                <a:sym typeface="Wingdings" panose="05000000000000000000" pitchFamily="2" charset="2"/>
+              </a:rPr>
+              <a:t>No separation </a:t>
+            </a:r>
+            <a:r>
+              <a:rPr lang="en-US" sz="1400" dirty="0">
+                <a:solidFill>
+                  <a:schemeClr val="tx1"/>
+                </a:solidFill>
+                <a:sym typeface="Wingdings" panose="05000000000000000000" pitchFamily="2" charset="2"/>
+              </a:rPr>
+              <a:t>between the 5 clusters</a:t>
+            </a:r>
+            <a:endParaRPr lang="en-US" sz="1400" dirty="0">
+              <a:solidFill>
+                <a:schemeClr val="tx1"/>
+              </a:solidFill>
+            </a:endParaRPr>
+          </a:p>
+          <a:p>
+            <a:pPr>
+              <a:lnSpc>
+                <a:spcPct val="200000"/>
+              </a:lnSpc>
+            </a:pPr>
+            <a:endParaRPr lang="en-US" sz="1400" dirty="0">
+              <a:solidFill>
+                <a:schemeClr val="tx1"/>
+              </a:solidFill>
+            </a:endParaRPr>
+          </a:p>
+          <a:p>
+            <a:pPr>
+              <a:lnSpc>
+                <a:spcPct val="200000"/>
+              </a:lnSpc>
+            </a:pPr>
+            <a:endParaRPr lang="en-US" sz="800" dirty="0">
+              <a:solidFill>
+                <a:schemeClr val="tx1"/>
+              </a:solidFill>
+            </a:endParaRPr>
+          </a:p>
+        </p:txBody>
+      </p:sp>
+      <p:sp>
+        <p:nvSpPr>
+          <p:cNvPr id="3" name="Title 2">
+            <a:extLst>
+              <a:ext uri="{FF2B5EF4-FFF2-40B4-BE49-F238E27FC236}">
+                <a16:creationId xmlns:a16="http://schemas.microsoft.com/office/drawing/2014/main" id="{A322F525-530E-A285-102A-0D4820D7ACF5}"/>
+              </a:ext>
+            </a:extLst>
+          </p:cNvPr>
+          <p:cNvSpPr>
+            <a:spLocks noGrp="1"/>
+          </p:cNvSpPr>
+          <p:nvPr>
+            <p:ph type="title"/>
+          </p:nvPr>
+        </p:nvSpPr>
+        <p:spPr>
+          <a:xfrm>
+            <a:off x="353699" y="114894"/>
+            <a:ext cx="3864600" cy="419589"/>
+          </a:xfrm>
+        </p:spPr>
+        <p:txBody>
+          <a:bodyPr/>
+          <a:lstStyle/>
+          <a:p>
+            <a:r>
+              <a:rPr lang="en-US" sz="2200" b="1" dirty="0">
+                <a:solidFill>
+                  <a:schemeClr val="tx1"/>
+                </a:solidFill>
+              </a:rPr>
+              <a:t>Feature extraction and dimensionality reduction</a:t>
+            </a:r>
+            <a:endParaRPr lang="en-US" sz="2200" b="1" dirty="0">
+              <a:solidFill>
+                <a:srgbClr val="FF0000"/>
+              </a:solidFill>
+            </a:endParaRPr>
+          </a:p>
+        </p:txBody>
+      </p:sp>
+      <p:pic>
+        <p:nvPicPr>
+          <p:cNvPr id="5" name="Picture 4">
+            <a:extLst>
+              <a:ext uri="{FF2B5EF4-FFF2-40B4-BE49-F238E27FC236}">
+                <a16:creationId xmlns:a16="http://schemas.microsoft.com/office/drawing/2014/main" id="{ADBCC7F1-E907-30A5-41B7-8A80BD2189E1}"/>
+              </a:ext>
+            </a:extLst>
+          </p:cNvPr>
+          <p:cNvPicPr>
+            <a:picLocks noChangeAspect="1"/>
+          </p:cNvPicPr>
+          <p:nvPr/>
+        </p:nvPicPr>
+        <p:blipFill>
+          <a:blip r:embed="rId3"/>
+          <a:stretch>
+            <a:fillRect/>
+          </a:stretch>
+        </p:blipFill>
+        <p:spPr>
+          <a:xfrm>
+            <a:off x="4571999" y="1200150"/>
+            <a:ext cx="4572001" cy="2743201"/>
+          </a:xfrm>
+          <a:prstGeom prst="rect">
+            <a:avLst/>
+          </a:prstGeom>
+          <a:ln>
+            <a:solidFill>
+              <a:schemeClr val="tx1"/>
+            </a:solidFill>
+          </a:ln>
+        </p:spPr>
+      </p:pic>
+    </p:spTree>
+    <p:extLst>
+      <p:ext uri="{BB962C8B-B14F-4D97-AF65-F5344CB8AC3E}">
+        <p14:creationId xmlns:p14="http://schemas.microsoft.com/office/powerpoint/2010/main" val="389090901"/>
+      </p:ext>
+    </p:extLst>
+  </p:cSld>
+  <p:clrMapOvr>
+    <a:masterClrMapping/>
+  </p:clrMapOvr>
+</p:sld>
+</file>
+
+<file path=ppt/slides/slide14.xml><?xml version="1.0" encoding="utf-8"?>
 <p:sld xmlns:a="http://schemas.openxmlformats.org/drawingml/2006/main" xmlns:r="http://schemas.openxmlformats.org/officeDocument/2006/relationships" xmlns:p="http://schemas.openxmlformats.org/presentationml/2006/main">
   <p:cSld>
     <p:spTree>
@@ -16202,7 +16710,7 @@
           <a:p>
             <a:r>
               <a:rPr lang="en-US" dirty="0"/>
-              <a:t>Final Model Performance</a:t>
+              <a:t>Classification with Transfer Learning</a:t>
             </a:r>
           </a:p>
         </p:txBody>
@@ -16211,403 +16719,6 @@
     <p:extLst>
       <p:ext uri="{BB962C8B-B14F-4D97-AF65-F5344CB8AC3E}">
         <p14:creationId xmlns:p14="http://schemas.microsoft.com/office/powerpoint/2010/main" val="1500296093"/>
-      </p:ext>
-    </p:extLst>
-  </p:cSld>
-  <p:clrMapOvr>
-    <a:masterClrMapping/>
-  </p:clrMapOvr>
-</p:sld>
-</file>
-
-<file path=ppt/slides/slide14.xml><?xml version="1.0" encoding="utf-8"?>
-<p:sld xmlns:a="http://schemas.openxmlformats.org/drawingml/2006/main" xmlns:r="http://schemas.openxmlformats.org/officeDocument/2006/relationships" xmlns:p="http://schemas.openxmlformats.org/presentationml/2006/main">
-  <p:cSld>
-    <p:spTree>
-      <p:nvGrpSpPr>
-        <p:cNvPr id="1" name=""/>
-        <p:cNvGrpSpPr/>
-        <p:nvPr/>
-      </p:nvGrpSpPr>
-      <p:grpSpPr>
-        <a:xfrm>
-          <a:off x="0" y="0"/>
-          <a:ext cx="0" cy="0"/>
-          <a:chOff x="0" y="0"/>
-          <a:chExt cx="0" cy="0"/>
-        </a:xfrm>
-      </p:grpSpPr>
-      <p:sp>
-        <p:nvSpPr>
-          <p:cNvPr id="4" name="Text Placeholder 3">
-            <a:extLst>
-              <a:ext uri="{FF2B5EF4-FFF2-40B4-BE49-F238E27FC236}">
-                <a16:creationId xmlns:a16="http://schemas.microsoft.com/office/drawing/2014/main" id="{41610F1B-947A-3609-E34C-6D6EF6D3BCE2}"/>
-              </a:ext>
-            </a:extLst>
-          </p:cNvPr>
-          <p:cNvSpPr>
-            <a:spLocks noGrp="1"/>
-          </p:cNvSpPr>
-          <p:nvPr>
-            <p:ph type="body" idx="1"/>
-          </p:nvPr>
-        </p:nvSpPr>
-        <p:spPr>
-          <a:xfrm>
-            <a:off x="267720" y="583907"/>
-            <a:ext cx="4199578" cy="3869429"/>
-          </a:xfrm>
-        </p:spPr>
-        <p:txBody>
-          <a:bodyPr/>
-          <a:lstStyle/>
-          <a:p>
-            <a:pPr>
-              <a:lnSpc>
-                <a:spcPct val="200000"/>
-              </a:lnSpc>
-            </a:pPr>
-            <a:r>
-              <a:rPr lang="en-US" sz="1400" dirty="0">
-                <a:solidFill>
-                  <a:schemeClr val="tx1"/>
-                </a:solidFill>
-              </a:rPr>
-              <a:t>Our model has a </a:t>
-            </a:r>
-            <a:r>
-              <a:rPr lang="en-US" sz="1400" b="1" dirty="0">
-                <a:solidFill>
-                  <a:schemeClr val="tx1"/>
-                </a:solidFill>
-              </a:rPr>
-              <a:t>good Silhouette score at 0,597 </a:t>
-            </a:r>
-            <a:r>
-              <a:rPr lang="en-US" sz="1400" dirty="0">
-                <a:solidFill>
-                  <a:schemeClr val="tx1"/>
-                </a:solidFill>
-              </a:rPr>
-              <a:t>on the whole dataset.</a:t>
-            </a:r>
-          </a:p>
-          <a:p>
-            <a:pPr>
-              <a:lnSpc>
-                <a:spcPct val="200000"/>
-              </a:lnSpc>
-            </a:pPr>
-            <a:r>
-              <a:rPr lang="en-US" sz="1400" b="1" dirty="0">
-                <a:solidFill>
-                  <a:schemeClr val="tx1"/>
-                </a:solidFill>
-              </a:rPr>
-              <a:t>Stability score = 1</a:t>
-            </a:r>
-            <a:r>
-              <a:rPr lang="en-US" sz="1400" dirty="0">
-                <a:solidFill>
-                  <a:schemeClr val="tx1"/>
-                </a:solidFill>
-              </a:rPr>
-              <a:t>.</a:t>
-            </a:r>
-          </a:p>
-          <a:p>
-            <a:pPr>
-              <a:lnSpc>
-                <a:spcPct val="200000"/>
-              </a:lnSpc>
-            </a:pPr>
-            <a:r>
-              <a:rPr lang="en-US" sz="1400" dirty="0">
-                <a:solidFill>
-                  <a:schemeClr val="tx1"/>
-                </a:solidFill>
-              </a:rPr>
-              <a:t>It separates the dataset in </a:t>
-            </a:r>
-            <a:r>
-              <a:rPr lang="en-US" sz="1400" b="1" dirty="0">
-                <a:solidFill>
-                  <a:schemeClr val="tx1"/>
-                </a:solidFill>
-              </a:rPr>
-              <a:t>6 clusters.</a:t>
-            </a:r>
-          </a:p>
-          <a:p>
-            <a:pPr>
-              <a:lnSpc>
-                <a:spcPct val="200000"/>
-              </a:lnSpc>
-            </a:pPr>
-            <a:r>
-              <a:rPr lang="en-US" sz="1400" dirty="0">
-                <a:solidFill>
-                  <a:schemeClr val="tx1"/>
-                </a:solidFill>
-              </a:rPr>
-              <a:t>There is an </a:t>
-            </a:r>
-            <a:r>
-              <a:rPr lang="en-US" sz="1400" b="1" dirty="0">
-                <a:solidFill>
-                  <a:schemeClr val="tx1"/>
-                </a:solidFill>
-              </a:rPr>
-              <a:t>unequal distribution of the samples in those clusters</a:t>
-            </a:r>
-          </a:p>
-          <a:p>
-            <a:pPr>
-              <a:lnSpc>
-                <a:spcPct val="200000"/>
-              </a:lnSpc>
-            </a:pPr>
-            <a:r>
-              <a:rPr lang="en-US" sz="1400" b="1" dirty="0">
-                <a:solidFill>
-                  <a:schemeClr val="tx1"/>
-                </a:solidFill>
-              </a:rPr>
-              <a:t>Cluster 1 </a:t>
-            </a:r>
-            <a:r>
-              <a:rPr lang="en-US" sz="1400" dirty="0">
-                <a:solidFill>
-                  <a:schemeClr val="tx1"/>
-                </a:solidFill>
-              </a:rPr>
-              <a:t>contains </a:t>
-            </a:r>
-            <a:r>
-              <a:rPr lang="en-US" sz="1400" b="1" dirty="0">
-                <a:solidFill>
-                  <a:schemeClr val="tx1"/>
-                </a:solidFill>
-              </a:rPr>
-              <a:t>42% of samples.</a:t>
-            </a:r>
-          </a:p>
-          <a:p>
-            <a:pPr>
-              <a:lnSpc>
-                <a:spcPct val="200000"/>
-              </a:lnSpc>
-            </a:pPr>
-            <a:r>
-              <a:rPr lang="en-US" sz="1400" b="1" dirty="0">
-                <a:solidFill>
-                  <a:schemeClr val="tx1"/>
-                </a:solidFill>
-              </a:rPr>
-              <a:t>Cluster 2 : ~23% of samples</a:t>
-            </a:r>
-          </a:p>
-        </p:txBody>
-      </p:sp>
-      <p:sp>
-        <p:nvSpPr>
-          <p:cNvPr id="3" name="Title 2">
-            <a:extLst>
-              <a:ext uri="{FF2B5EF4-FFF2-40B4-BE49-F238E27FC236}">
-                <a16:creationId xmlns:a16="http://schemas.microsoft.com/office/drawing/2014/main" id="{A322F525-530E-A285-102A-0D4820D7ACF5}"/>
-              </a:ext>
-            </a:extLst>
-          </p:cNvPr>
-          <p:cNvSpPr>
-            <a:spLocks noGrp="1"/>
-          </p:cNvSpPr>
-          <p:nvPr>
-            <p:ph type="title"/>
-          </p:nvPr>
-        </p:nvSpPr>
-        <p:spPr>
-          <a:xfrm>
-            <a:off x="344501" y="102492"/>
-            <a:ext cx="3864600" cy="414300"/>
-          </a:xfrm>
-        </p:spPr>
-        <p:txBody>
-          <a:bodyPr/>
-          <a:lstStyle/>
-          <a:p>
-            <a:r>
-              <a:rPr lang="en-US" b="1" dirty="0">
-                <a:solidFill>
-                  <a:schemeClr val="tx1"/>
-                </a:solidFill>
-              </a:rPr>
-              <a:t>Performance Metrics</a:t>
-            </a:r>
-            <a:endParaRPr lang="en-US" b="1" dirty="0">
-              <a:solidFill>
-                <a:srgbClr val="FF0000"/>
-              </a:solidFill>
-            </a:endParaRPr>
-          </a:p>
-        </p:txBody>
-      </p:sp>
-      <p:pic>
-        <p:nvPicPr>
-          <p:cNvPr id="2050" name="Picture 2">
-            <a:extLst>
-              <a:ext uri="{FF2B5EF4-FFF2-40B4-BE49-F238E27FC236}">
-                <a16:creationId xmlns:a16="http://schemas.microsoft.com/office/drawing/2014/main" id="{F8BBC463-10EE-08A2-79CF-7DC2A094B698}"/>
-              </a:ext>
-            </a:extLst>
-          </p:cNvPr>
-          <p:cNvPicPr>
-            <a:picLocks noChangeAspect="1" noChangeArrowheads="1"/>
-          </p:cNvPicPr>
-          <p:nvPr/>
-        </p:nvPicPr>
-        <p:blipFill>
-          <a:blip r:embed="rId3"/>
-          <a:srcRect/>
-          <a:stretch/>
-        </p:blipFill>
-        <p:spPr bwMode="auto">
-          <a:xfrm>
-            <a:off x="5029127" y="0"/>
-            <a:ext cx="3636150" cy="2687358"/>
-          </a:xfrm>
-          <a:prstGeom prst="rect">
-            <a:avLst/>
-          </a:prstGeom>
-          <a:noFill/>
-          <a:ln>
-            <a:solidFill>
-              <a:schemeClr val="tx1"/>
-            </a:solidFill>
-          </a:ln>
-          <a:extLst>
-            <a:ext uri="{909E8E84-426E-40DD-AFC4-6F175D3DCCD1}">
-              <a14:hiddenFill xmlns:a14="http://schemas.microsoft.com/office/drawing/2010/main">
-                <a:solidFill>
-                  <a:srgbClr val="FFFFFF"/>
-                </a:solidFill>
-              </a14:hiddenFill>
-            </a:ext>
-          </a:extLst>
-        </p:spPr>
-      </p:pic>
-      <p:pic>
-        <p:nvPicPr>
-          <p:cNvPr id="2" name="Picture 2">
-            <a:extLst>
-              <a:ext uri="{FF2B5EF4-FFF2-40B4-BE49-F238E27FC236}">
-                <a16:creationId xmlns:a16="http://schemas.microsoft.com/office/drawing/2014/main" id="{DEA3C179-4F6E-EE7C-2220-B3078F7123A5}"/>
-              </a:ext>
-            </a:extLst>
-          </p:cNvPr>
-          <p:cNvPicPr>
-            <a:picLocks noChangeAspect="1" noChangeArrowheads="1"/>
-          </p:cNvPicPr>
-          <p:nvPr/>
-        </p:nvPicPr>
-        <p:blipFill>
-          <a:blip r:embed="rId4"/>
-          <a:srcRect/>
-          <a:stretch/>
-        </p:blipFill>
-        <p:spPr bwMode="auto">
-          <a:xfrm>
-            <a:off x="4553504" y="2687358"/>
-            <a:ext cx="4587397" cy="2450033"/>
-          </a:xfrm>
-          <a:prstGeom prst="rect">
-            <a:avLst/>
-          </a:prstGeom>
-          <a:noFill/>
-          <a:ln>
-            <a:solidFill>
-              <a:schemeClr val="tx1"/>
-            </a:solidFill>
-          </a:ln>
-          <a:extLst>
-            <a:ext uri="{909E8E84-426E-40DD-AFC4-6F175D3DCCD1}">
-              <a14:hiddenFill xmlns:a14="http://schemas.microsoft.com/office/drawing/2010/main">
-                <a:solidFill>
-                  <a:srgbClr val="FFFFFF"/>
-                </a:solidFill>
-              </a14:hiddenFill>
-            </a:ext>
-          </a:extLst>
-        </p:spPr>
-      </p:pic>
-      <p:sp>
-        <p:nvSpPr>
-          <p:cNvPr id="6" name="TextBox 5">
-            <a:extLst>
-              <a:ext uri="{FF2B5EF4-FFF2-40B4-BE49-F238E27FC236}">
-                <a16:creationId xmlns:a16="http://schemas.microsoft.com/office/drawing/2014/main" id="{EFBA6BD1-A3C1-D883-2717-0E6453427874}"/>
-              </a:ext>
-            </a:extLst>
-          </p:cNvPr>
-          <p:cNvSpPr txBox="1"/>
-          <p:nvPr/>
-        </p:nvSpPr>
-        <p:spPr>
-          <a:xfrm>
-            <a:off x="4572000" y="4160171"/>
-            <a:ext cx="1333210" cy="900246"/>
-          </a:xfrm>
-          <a:prstGeom prst="rect">
-            <a:avLst/>
-          </a:prstGeom>
-          <a:noFill/>
-        </p:spPr>
-        <p:txBody>
-          <a:bodyPr wrap="square" rtlCol="0">
-            <a:spAutoFit/>
-          </a:bodyPr>
-          <a:lstStyle/>
-          <a:p>
-            <a:pPr algn="ctr"/>
-            <a:r>
-              <a:rPr lang="fr-FR" sz="1050" u="sng" dirty="0"/>
-              <a:t>Disclaimer :</a:t>
-            </a:r>
-          </a:p>
-          <a:p>
-            <a:pPr algn="just"/>
-            <a:r>
-              <a:rPr lang="fr-FR" sz="1050" dirty="0"/>
-              <a:t>The clusters have been </a:t>
-            </a:r>
-            <a:r>
-              <a:rPr lang="fr-FR" sz="1050" dirty="0" err="1"/>
-              <a:t>shifted</a:t>
-            </a:r>
-            <a:r>
-              <a:rPr lang="fr-FR" sz="1050" dirty="0"/>
-              <a:t> from 0-5 to 1-6 for </a:t>
-            </a:r>
-            <a:r>
-              <a:rPr lang="fr-FR" sz="1050" dirty="0" err="1"/>
-              <a:t>easier</a:t>
-            </a:r>
-            <a:r>
-              <a:rPr lang="fr-FR" sz="1050" dirty="0"/>
-              <a:t> </a:t>
-            </a:r>
-            <a:r>
-              <a:rPr lang="fr-FR" sz="1050" dirty="0" err="1"/>
-              <a:t>visualization</a:t>
-            </a:r>
-            <a:endParaRPr lang="fr-FR" sz="1050" dirty="0"/>
-          </a:p>
-        </p:txBody>
-      </p:sp>
-    </p:spTree>
-    <p:extLst>
-      <p:ext uri="{BB962C8B-B14F-4D97-AF65-F5344CB8AC3E}">
-        <p14:creationId xmlns:p14="http://schemas.microsoft.com/office/powerpoint/2010/main" val="527889704"/>
       </p:ext>
     </p:extLst>
   </p:cSld>
@@ -16652,8 +16763,8 @@
         </p:nvSpPr>
         <p:spPr>
           <a:xfrm>
-            <a:off x="-139602" y="800016"/>
-            <a:ext cx="4711602" cy="3820557"/>
+            <a:off x="267720" y="583907"/>
+            <a:ext cx="4199578" cy="3869429"/>
           </a:xfrm>
         </p:spPr>
         <p:txBody>
@@ -16666,20 +16777,43 @@
               </a:lnSpc>
             </a:pPr>
             <a:r>
+              <a:rPr lang="en-US" sz="1400" dirty="0">
+                <a:solidFill>
+                  <a:schemeClr val="tx1"/>
+                </a:solidFill>
+              </a:rPr>
+              <a:t>Loaded the </a:t>
+            </a:r>
+            <a:r>
               <a:rPr lang="en-US" sz="1400" b="1" dirty="0">
                 <a:solidFill>
                   <a:schemeClr val="tx1"/>
                 </a:solidFill>
               </a:rPr>
-              <a:t>1</a:t>
-            </a:r>
-            <a:r>
-              <a:rPr lang="en-US" sz="1400" b="1" baseline="30000" dirty="0">
+              <a:t>MobileNetV2 model </a:t>
+            </a:r>
+            <a:r>
+              <a:rPr lang="en-US" sz="1400" dirty="0">
                 <a:solidFill>
                   <a:schemeClr val="tx1"/>
                 </a:solidFill>
               </a:rPr>
-              <a:t>st</a:t>
+              <a:t>without top layers. </a:t>
+            </a:r>
+          </a:p>
+          <a:p>
+            <a:pPr>
+              <a:lnSpc>
+                <a:spcPct val="200000"/>
+              </a:lnSpc>
+            </a:pPr>
+            <a:r>
+              <a:rPr lang="en-US" sz="1400" dirty="0">
+                <a:solidFill>
+                  <a:schemeClr val="tx1"/>
+                </a:solidFill>
+              </a:rPr>
+              <a:t>Added </a:t>
             </a:r>
             <a:r>
               <a:rPr lang="en-US" sz="1400" b="1" dirty="0">
@@ -16687,7 +16821,7 @@
                   <a:schemeClr val="tx1"/>
                 </a:solidFill>
               </a:rPr>
-              <a:t> PCA plane : </a:t>
+              <a:t>Global Average Pooling 2D layer </a:t>
             </a:r>
             <a:r>
               <a:rPr lang="en-US" sz="1400" dirty="0">
@@ -16695,20 +16829,47 @@
                   <a:schemeClr val="tx1"/>
                 </a:solidFill>
               </a:rPr>
-              <a:t>Good separation of 5 clusters</a:t>
+              <a:t>to reduce the dimensionality of features.</a:t>
             </a:r>
           </a:p>
           <a:p>
             <a:pPr>
               <a:lnSpc>
-                <a:spcPct val="100000"/>
+                <a:spcPct val="200000"/>
               </a:lnSpc>
             </a:pPr>
-            <a:endParaRPr lang="en-US" sz="1400" dirty="0">
-              <a:solidFill>
-                <a:schemeClr val="tx1"/>
-              </a:solidFill>
-            </a:endParaRPr>
+            <a:r>
+              <a:rPr lang="en-US" sz="1400" b="1" dirty="0">
+                <a:solidFill>
+                  <a:schemeClr val="tx1"/>
+                </a:solidFill>
+              </a:rPr>
+              <a:t>Added prediction layers</a:t>
+            </a:r>
+            <a:r>
+              <a:rPr lang="en-US" sz="1400" dirty="0">
+                <a:solidFill>
+                  <a:schemeClr val="tx1"/>
+                </a:solidFill>
+              </a:rPr>
+              <a:t>, with final </a:t>
+            </a:r>
+            <a:r>
+              <a:rPr lang="en-US" sz="1400" dirty="0" err="1">
+                <a:solidFill>
+                  <a:schemeClr val="tx1"/>
+                </a:solidFill>
+              </a:rPr>
+              <a:t>softmax</a:t>
+            </a:r>
+            <a:r>
+              <a:rPr lang="en-US" sz="1400" dirty="0">
+                <a:solidFill>
+                  <a:schemeClr val="tx1"/>
+                </a:solidFill>
+              </a:rPr>
+              <a:t> layer with shape = number of labels</a:t>
+            </a:r>
           </a:p>
           <a:p>
             <a:pPr>
@@ -16722,157 +16883,30 @@
                   <a:schemeClr val="tx1"/>
                 </a:solidFill>
               </a:rPr>
-              <a:t>2</a:t>
-            </a:r>
-            <a:r>
-              <a:rPr lang="en-US" sz="1400" b="1" baseline="30000" dirty="0">
+              <a:t>Integrated preprocessing and data augmentation</a:t>
+            </a:r>
+            <a:r>
+              <a:rPr lang="en-US" sz="1400" dirty="0">
                 <a:solidFill>
                   <a:schemeClr val="tx1"/>
                 </a:solidFill>
               </a:rPr>
-              <a:t>nd</a:t>
-            </a:r>
-            <a:r>
-              <a:rPr lang="en-US" sz="1400" b="1" dirty="0">
+              <a:t> steps within model.</a:t>
+            </a:r>
+          </a:p>
+          <a:p>
+            <a:pPr>
+              <a:lnSpc>
+                <a:spcPct val="200000"/>
+              </a:lnSpc>
+            </a:pPr>
+            <a:r>
+              <a:rPr lang="en-US" sz="1400" dirty="0">
                 <a:solidFill>
                   <a:schemeClr val="tx1"/>
                 </a:solidFill>
               </a:rPr>
-              <a:t> PCA plane : </a:t>
-            </a:r>
-            <a:r>
-              <a:rPr lang="en-US" sz="1400" dirty="0">
-                <a:solidFill>
-                  <a:schemeClr val="tx1"/>
-                </a:solidFill>
-              </a:rPr>
-              <a:t>2 clusters clearly separated, slight separation of 3 additional clusters </a:t>
-            </a:r>
-          </a:p>
-          <a:p>
-            <a:pPr>
-              <a:lnSpc>
-                <a:spcPct val="100000"/>
-              </a:lnSpc>
-            </a:pPr>
-            <a:endParaRPr lang="en-US" sz="1400" b="1" dirty="0">
-              <a:solidFill>
-                <a:schemeClr val="tx1"/>
-              </a:solidFill>
-            </a:endParaRPr>
-          </a:p>
-          <a:p>
-            <a:pPr>
-              <a:lnSpc>
-                <a:spcPct val="200000"/>
-              </a:lnSpc>
-            </a:pPr>
-            <a:r>
-              <a:rPr lang="en-US" sz="1400" b="1" dirty="0">
-                <a:solidFill>
-                  <a:schemeClr val="tx1"/>
-                </a:solidFill>
-              </a:rPr>
-              <a:t>3</a:t>
-            </a:r>
-            <a:r>
-              <a:rPr lang="en-US" sz="1400" b="1" baseline="30000" dirty="0">
-                <a:solidFill>
-                  <a:schemeClr val="tx1"/>
-                </a:solidFill>
-              </a:rPr>
-              <a:t>rd</a:t>
-            </a:r>
-            <a:r>
-              <a:rPr lang="en-US" sz="1400" b="1" dirty="0">
-                <a:solidFill>
-                  <a:schemeClr val="tx1"/>
-                </a:solidFill>
-              </a:rPr>
-              <a:t> and 4</a:t>
-            </a:r>
-            <a:r>
-              <a:rPr lang="en-US" sz="1400" b="1" baseline="30000" dirty="0">
-                <a:solidFill>
-                  <a:schemeClr val="tx1"/>
-                </a:solidFill>
-              </a:rPr>
-              <a:t>th</a:t>
-            </a:r>
-            <a:r>
-              <a:rPr lang="en-US" sz="1400" b="1" dirty="0">
-                <a:solidFill>
-                  <a:schemeClr val="tx1"/>
-                </a:solidFill>
-              </a:rPr>
-              <a:t> PCA plane : 6 clusters cleanly separated</a:t>
-            </a:r>
-          </a:p>
-          <a:p>
-            <a:pPr marL="171450" indent="0">
-              <a:lnSpc>
-                <a:spcPct val="100000"/>
-              </a:lnSpc>
-              <a:buNone/>
-            </a:pPr>
-            <a:endParaRPr lang="en-US" sz="1400" b="1" dirty="0">
-              <a:solidFill>
-                <a:schemeClr val="tx1"/>
-              </a:solidFill>
-            </a:endParaRPr>
-          </a:p>
-          <a:p>
-            <a:pPr>
-              <a:lnSpc>
-                <a:spcPct val="200000"/>
-              </a:lnSpc>
-            </a:pPr>
-            <a:r>
-              <a:rPr lang="en-US" sz="1400" dirty="0">
-                <a:solidFill>
-                  <a:schemeClr val="tx1"/>
-                </a:solidFill>
-              </a:rPr>
-              <a:t>Analysis of the shape of our clusters with PCA visualization (5 first components represent 90% of variance) </a:t>
-            </a:r>
-            <a:r>
-              <a:rPr lang="en-US" sz="1400" dirty="0">
-                <a:solidFill>
-                  <a:schemeClr val="tx1"/>
-                </a:solidFill>
-                <a:sym typeface="Wingdings" panose="05000000000000000000" pitchFamily="2" charset="2"/>
-              </a:rPr>
-              <a:t> </a:t>
-            </a:r>
-            <a:r>
-              <a:rPr lang="en-US" sz="1400" b="1" dirty="0">
-                <a:solidFill>
-                  <a:schemeClr val="tx1"/>
-                </a:solidFill>
-                <a:sym typeface="Wingdings" panose="05000000000000000000" pitchFamily="2" charset="2"/>
-              </a:rPr>
-              <a:t>proves the efficiency of our model</a:t>
-            </a:r>
-            <a:endParaRPr lang="en-US" sz="1400" b="1" dirty="0">
-              <a:solidFill>
-                <a:schemeClr val="tx1"/>
-              </a:solidFill>
-            </a:endParaRPr>
-          </a:p>
-          <a:p>
-            <a:pPr marL="171450" indent="0">
-              <a:lnSpc>
-                <a:spcPct val="200000"/>
-              </a:lnSpc>
-              <a:buNone/>
-            </a:pPr>
-            <a:r>
-              <a:rPr lang="en-US" sz="1400" dirty="0">
-                <a:solidFill>
-                  <a:schemeClr val="tx1"/>
-                </a:solidFill>
-              </a:rPr>
-              <a:t> </a:t>
+              <a:t>Split our dataset in test, training and validation set and trained model on train set.</a:t>
             </a:r>
           </a:p>
         </p:txBody>
@@ -16895,8 +16929,8 @@
         </p:nvSpPr>
         <p:spPr>
           <a:xfrm>
-            <a:off x="344501" y="324690"/>
-            <a:ext cx="3864600" cy="419589"/>
+            <a:off x="344501" y="102492"/>
+            <a:ext cx="3864600" cy="414300"/>
           </a:xfrm>
         </p:spPr>
         <p:txBody>
@@ -16904,14 +16938,14 @@
           <a:lstStyle/>
           <a:p>
             <a:r>
-              <a:rPr lang="en-US" sz="2200" b="1" dirty="0">
+              <a:rPr lang="en-US" b="1" dirty="0">
                 <a:solidFill>
                   <a:schemeClr val="tx1"/>
                 </a:solidFill>
               </a:rPr>
-              <a:t>Model Shape</a:t>
-            </a:r>
-            <a:endParaRPr lang="en-US" sz="2200" b="1" dirty="0">
+              <a:t>Implementation</a:t>
+            </a:r>
+            <a:endParaRPr lang="en-US" b="1" dirty="0">
               <a:solidFill>
                 <a:srgbClr val="FF0000"/>
               </a:solidFill>
@@ -16921,10 +16955,10 @@
       </p:sp>
       <p:pic>
         <p:nvPicPr>
-          <p:cNvPr id="2" name="Picture 2">
+          <p:cNvPr id="5" name="Picture 2" descr="An Ultimate Guide To Transfer Learning In NLP">
             <a:extLst>
               <a:ext uri="{FF2B5EF4-FFF2-40B4-BE49-F238E27FC236}">
-                <a16:creationId xmlns:a16="http://schemas.microsoft.com/office/drawing/2014/main" id="{92A4DC42-0529-034E-CDA4-0C21B9F59BB2}"/>
+                <a16:creationId xmlns:a16="http://schemas.microsoft.com/office/drawing/2014/main" id="{836F709D-0E85-516E-38B3-14A6F1EEAAE2}"/>
               </a:ext>
             </a:extLst>
           </p:cNvPr>
@@ -16948,8 +16982,8 @@
         </p:blipFill>
         <p:spPr bwMode="auto">
           <a:xfrm>
-            <a:off x="4571999" y="617309"/>
-            <a:ext cx="2285612" cy="1954442"/>
+            <a:off x="4572000" y="1428750"/>
+            <a:ext cx="4572000" cy="2286000"/>
           </a:xfrm>
           <a:prstGeom prst="rect">
             <a:avLst/>
@@ -16971,142 +17005,10 @@
           </a:extLst>
         </p:spPr>
       </p:pic>
-      <p:pic>
-        <p:nvPicPr>
-          <p:cNvPr id="6" name="Picture 2">
-            <a:extLst>
-              <a:ext uri="{FF2B5EF4-FFF2-40B4-BE49-F238E27FC236}">
-                <a16:creationId xmlns:a16="http://schemas.microsoft.com/office/drawing/2014/main" id="{EFD999A7-E9AB-DF69-08B4-46D1AEA20E3D}"/>
-              </a:ext>
-            </a:extLst>
-          </p:cNvPr>
-          <p:cNvPicPr>
-            <a:picLocks noChangeAspect="1" noChangeArrowheads="1"/>
-          </p:cNvPicPr>
-          <p:nvPr/>
-        </p:nvPicPr>
-        <p:blipFill>
-          <a:blip r:embed="rId4"/>
-          <a:srcRect/>
-          <a:stretch/>
-        </p:blipFill>
-        <p:spPr bwMode="auto">
-          <a:xfrm>
-            <a:off x="6862596" y="617308"/>
-            <a:ext cx="2253483" cy="1934091"/>
-          </a:xfrm>
-          <a:prstGeom prst="rect">
-            <a:avLst/>
-          </a:prstGeom>
-          <a:noFill/>
-          <a:ln>
-            <a:solidFill>
-              <a:schemeClr val="tx1"/>
-            </a:solidFill>
-          </a:ln>
-          <a:extLst>
-            <a:ext uri="{909E8E84-426E-40DD-AFC4-6F175D3DCCD1}">
-              <a14:hiddenFill xmlns:a14="http://schemas.microsoft.com/office/drawing/2010/main">
-                <a:solidFill>
-                  <a:srgbClr val="FFFFFF"/>
-                </a:solidFill>
-              </a14:hiddenFill>
-            </a:ext>
-          </a:extLst>
-        </p:spPr>
-      </p:pic>
-      <p:pic>
-        <p:nvPicPr>
-          <p:cNvPr id="7" name="Picture 2">
-            <a:extLst>
-              <a:ext uri="{FF2B5EF4-FFF2-40B4-BE49-F238E27FC236}">
-                <a16:creationId xmlns:a16="http://schemas.microsoft.com/office/drawing/2014/main" id="{D779E4C7-4EB5-2EF6-63AE-2556A83BCC8A}"/>
-              </a:ext>
-            </a:extLst>
-          </p:cNvPr>
-          <p:cNvPicPr>
-            <a:picLocks noChangeAspect="1" noChangeArrowheads="1"/>
-          </p:cNvPicPr>
-          <p:nvPr/>
-        </p:nvPicPr>
-        <p:blipFill>
-          <a:blip r:embed="rId5"/>
-          <a:srcRect/>
-          <a:stretch/>
-        </p:blipFill>
-        <p:spPr bwMode="auto">
-          <a:xfrm>
-            <a:off x="4576208" y="2571751"/>
-            <a:ext cx="2277193" cy="1954442"/>
-          </a:xfrm>
-          <a:prstGeom prst="rect">
-            <a:avLst/>
-          </a:prstGeom>
-          <a:noFill/>
-          <a:ln>
-            <a:solidFill>
-              <a:schemeClr val="tx1"/>
-            </a:solidFill>
-          </a:ln>
-          <a:extLst>
-            <a:ext uri="{909E8E84-426E-40DD-AFC4-6F175D3DCCD1}">
-              <a14:hiddenFill xmlns:a14="http://schemas.microsoft.com/office/drawing/2010/main">
-                <a:solidFill>
-                  <a:srgbClr val="FFFFFF"/>
-                </a:solidFill>
-              </a14:hiddenFill>
-            </a:ext>
-          </a:extLst>
-        </p:spPr>
-      </p:pic>
-      <p:pic>
-        <p:nvPicPr>
-          <p:cNvPr id="8" name="Picture 2">
-            <a:extLst>
-              <a:ext uri="{FF2B5EF4-FFF2-40B4-BE49-F238E27FC236}">
-                <a16:creationId xmlns:a16="http://schemas.microsoft.com/office/drawing/2014/main" id="{4AAB9DB4-B11C-E88D-4868-F8B1EE249861}"/>
-              </a:ext>
-            </a:extLst>
-          </p:cNvPr>
-          <p:cNvPicPr>
-            <a:picLocks noChangeAspect="1" noChangeArrowheads="1"/>
-          </p:cNvPicPr>
-          <p:nvPr/>
-        </p:nvPicPr>
-        <p:blipFill>
-          <a:blip r:embed="rId6"/>
-          <a:srcRect/>
-          <a:stretch/>
-        </p:blipFill>
-        <p:spPr bwMode="auto">
-          <a:xfrm>
-            <a:off x="6860389" y="2571751"/>
-            <a:ext cx="2253483" cy="1954442"/>
-          </a:xfrm>
-          <a:prstGeom prst="rect">
-            <a:avLst/>
-          </a:prstGeom>
-          <a:noFill/>
-          <a:ln>
-            <a:solidFill>
-              <a:schemeClr val="tx1"/>
-            </a:solidFill>
-          </a:ln>
-          <a:extLst>
-            <a:ext uri="{909E8E84-426E-40DD-AFC4-6F175D3DCCD1}">
-              <a14:hiddenFill xmlns:a14="http://schemas.microsoft.com/office/drawing/2010/main">
-                <a:solidFill>
-                  <a:srgbClr val="FFFFFF"/>
-                </a:solidFill>
-              </a14:hiddenFill>
-            </a:ext>
-          </a:extLst>
-        </p:spPr>
-      </p:pic>
     </p:spTree>
     <p:extLst>
       <p:ext uri="{BB962C8B-B14F-4D97-AF65-F5344CB8AC3E}">
-        <p14:creationId xmlns:p14="http://schemas.microsoft.com/office/powerpoint/2010/main" val="3335712250"/>
+        <p14:creationId xmlns:p14="http://schemas.microsoft.com/office/powerpoint/2010/main" val="527889704"/>
       </p:ext>
     </p:extLst>
   </p:cSld>
@@ -17151,8 +17053,8 @@
         </p:nvSpPr>
         <p:spPr>
           <a:xfrm>
-            <a:off x="-167523" y="451604"/>
-            <a:ext cx="4739523" cy="4240291"/>
+            <a:off x="267720" y="583907"/>
+            <a:ext cx="4199578" cy="3869429"/>
           </a:xfrm>
         </p:spPr>
         <p:txBody>
@@ -17161,400 +17063,92 @@
           <a:p>
             <a:pPr>
               <a:lnSpc>
-                <a:spcPct val="200000"/>
+                <a:spcPct val="300000"/>
               </a:lnSpc>
             </a:pPr>
             <a:r>
-              <a:rPr lang="en-US" sz="900" b="1" dirty="0">
-                <a:solidFill>
-                  <a:schemeClr val="accent1">
-                    <a:lumMod val="75000"/>
-                  </a:schemeClr>
+              <a:rPr lang="en-US" sz="1400" b="1" dirty="0">
+                <a:solidFill>
+                  <a:schemeClr val="tx1"/>
                 </a:solidFill>
               </a:rPr>
-              <a:t>Segment 1:</a:t>
-            </a:r>
-            <a:r>
-              <a:rPr lang="en-US" sz="900" dirty="0">
+              <a:t>Loss function </a:t>
+            </a:r>
+            <a:r>
+              <a:rPr lang="en-US" sz="1400" dirty="0">
                 <a:solidFill>
                   <a:schemeClr val="tx1"/>
                 </a:solidFill>
               </a:rPr>
-              <a:t> </a:t>
-            </a:r>
-            <a:r>
-              <a:rPr lang="en-US" sz="900" b="1" dirty="0">
+              <a:t>: Categorical Cross-Entropy</a:t>
+            </a:r>
+          </a:p>
+          <a:p>
+            <a:pPr>
+              <a:lnSpc>
+                <a:spcPct val="300000"/>
+              </a:lnSpc>
+            </a:pPr>
+            <a:r>
+              <a:rPr lang="en-US" sz="1400" b="1" dirty="0">
                 <a:solidFill>
                   <a:schemeClr val="tx1"/>
                 </a:solidFill>
               </a:rPr>
-              <a:t>Sao Paulo area</a:t>
-            </a:r>
-            <a:r>
-              <a:rPr lang="en-US" sz="900" dirty="0">
+              <a:t>Performance metric </a:t>
+            </a:r>
+            <a:r>
+              <a:rPr lang="en-US" sz="1400" dirty="0">
                 <a:solidFill>
                   <a:schemeClr val="tx1"/>
                 </a:solidFill>
               </a:rPr>
-              <a:t>, mostly interested </a:t>
-            </a:r>
-            <a:r>
-              <a:rPr lang="en-US" sz="900" b="1" dirty="0">
+              <a:t>: Accuracy.</a:t>
+            </a:r>
+          </a:p>
+          <a:p>
+            <a:pPr>
+              <a:lnSpc>
+                <a:spcPct val="300000"/>
+              </a:lnSpc>
+            </a:pPr>
+            <a:r>
+              <a:rPr lang="en-US" sz="1400" dirty="0">
                 <a:solidFill>
                   <a:schemeClr val="tx1"/>
                 </a:solidFill>
               </a:rPr>
-              <a:t>in health, beauty, housewares, bed, bath, tables and perfumery products, </a:t>
-            </a:r>
-            <a:r>
-              <a:rPr lang="en-US" sz="900" dirty="0">
+              <a:t>Trained the model with only 5 epochs due to high RAM usage.</a:t>
+            </a:r>
+          </a:p>
+          <a:p>
+            <a:pPr>
+              <a:lnSpc>
+                <a:spcPct val="300000"/>
+              </a:lnSpc>
+            </a:pPr>
+            <a:r>
+              <a:rPr lang="en-US" sz="1400" b="1" dirty="0">
                 <a:solidFill>
                   <a:schemeClr val="tx1"/>
                 </a:solidFill>
               </a:rPr>
-              <a:t>requests </a:t>
-            </a:r>
-            <a:r>
-              <a:rPr lang="en-US" sz="900" b="1" dirty="0">
+              <a:t>Final accuracy on the test set </a:t>
+            </a:r>
+            <a:r>
+              <a:rPr lang="en-US" sz="1400" b="1" dirty="0">
                 <a:solidFill>
                   <a:schemeClr val="tx1"/>
                 </a:solidFill>
+                <a:sym typeface="Wingdings" panose="05000000000000000000" pitchFamily="2" charset="2"/>
               </a:rPr>
-              <a:t>low shipping delay </a:t>
-            </a:r>
-            <a:r>
-              <a:rPr lang="en-US" sz="900" dirty="0">
-                <a:solidFill>
-                  <a:schemeClr val="tx1"/>
-                </a:solidFill>
-              </a:rPr>
-              <a:t>and buys </a:t>
-            </a:r>
-            <a:r>
-              <a:rPr lang="en-US" sz="900" b="1" dirty="0">
-                <a:solidFill>
-                  <a:schemeClr val="tx1"/>
-                </a:solidFill>
-              </a:rPr>
-              <a:t>low price products</a:t>
-            </a:r>
-            <a:r>
-              <a:rPr lang="en-US" sz="900" dirty="0">
-                <a:solidFill>
-                  <a:schemeClr val="tx1"/>
-                </a:solidFill>
-              </a:rPr>
-              <a:t>, gives good review scores</a:t>
-            </a:r>
-          </a:p>
-          <a:p>
-            <a:pPr>
-              <a:lnSpc>
-                <a:spcPct val="200000"/>
-              </a:lnSpc>
-            </a:pPr>
-            <a:r>
-              <a:rPr lang="en-US" sz="900" b="1" dirty="0">
-                <a:solidFill>
-                  <a:srgbClr val="F5B20B"/>
-                </a:solidFill>
-              </a:rPr>
-              <a:t>Segment 2</a:t>
-            </a:r>
-            <a:r>
-              <a:rPr lang="en-US" sz="900" b="1" dirty="0">
-                <a:solidFill>
-                  <a:srgbClr val="FFC000"/>
-                </a:solidFill>
-              </a:rPr>
-              <a:t>: </a:t>
-            </a:r>
-            <a:r>
-              <a:rPr lang="en-US" sz="900" b="1" dirty="0">
-                <a:solidFill>
-                  <a:schemeClr val="tx1"/>
-                </a:solidFill>
-              </a:rPr>
-              <a:t>Likely to cancel order</a:t>
-            </a:r>
-            <a:r>
-              <a:rPr lang="en-US" sz="900" dirty="0">
-                <a:solidFill>
-                  <a:schemeClr val="tx1"/>
-                </a:solidFill>
-              </a:rPr>
-              <a:t>, mostly interested in </a:t>
-            </a:r>
-            <a:r>
-              <a:rPr lang="en-US" sz="900" b="1" dirty="0">
-                <a:solidFill>
-                  <a:schemeClr val="tx1"/>
-                </a:solidFill>
-              </a:rPr>
-              <a:t>telephony, health, beauty and auto products,</a:t>
-            </a:r>
-            <a:r>
-              <a:rPr lang="en-US" sz="900" dirty="0">
-                <a:solidFill>
-                  <a:schemeClr val="tx1"/>
-                </a:solidFill>
-              </a:rPr>
-              <a:t> orders from sellers far from its location, buys a low amount of items but with at a </a:t>
-            </a:r>
-            <a:r>
-              <a:rPr lang="en-US" sz="900" b="1" dirty="0">
-                <a:solidFill>
-                  <a:schemeClr val="tx1"/>
-                </a:solidFill>
-              </a:rPr>
-              <a:t>high price and with a high number of photos</a:t>
-            </a:r>
-            <a:r>
-              <a:rPr lang="en-US" sz="900" dirty="0">
-                <a:solidFill>
-                  <a:schemeClr val="tx1"/>
-                </a:solidFill>
-              </a:rPr>
-              <a:t>.</a:t>
-            </a:r>
-          </a:p>
-          <a:p>
-            <a:pPr>
-              <a:lnSpc>
-                <a:spcPct val="200000"/>
-              </a:lnSpc>
-            </a:pPr>
-            <a:r>
-              <a:rPr lang="en-US" sz="900" b="1" dirty="0">
-                <a:solidFill>
-                  <a:schemeClr val="accent4">
-                    <a:lumMod val="75000"/>
-                  </a:schemeClr>
-                </a:solidFill>
-              </a:rPr>
-              <a:t>Segment 3: </a:t>
-            </a:r>
-            <a:r>
-              <a:rPr lang="en-US" sz="900" b="1" dirty="0">
-                <a:solidFill>
-                  <a:schemeClr val="tx1"/>
-                </a:solidFill>
-              </a:rPr>
-              <a:t>Rio de Janeiro area</a:t>
-            </a:r>
-            <a:r>
-              <a:rPr lang="en-US" sz="900" dirty="0">
-                <a:solidFill>
-                  <a:schemeClr val="tx1"/>
-                </a:solidFill>
-              </a:rPr>
-              <a:t>, mostly interested in t</a:t>
-            </a:r>
-            <a:r>
-              <a:rPr lang="en-US" sz="900" b="1" dirty="0">
-                <a:solidFill>
-                  <a:schemeClr val="tx1"/>
-                </a:solidFill>
-              </a:rPr>
-              <a:t>oys, perfumery, garden tools, bed, bath and table products</a:t>
-            </a:r>
-            <a:r>
-              <a:rPr lang="en-US" sz="900" dirty="0">
-                <a:solidFill>
-                  <a:schemeClr val="tx1"/>
-                </a:solidFill>
-              </a:rPr>
-              <a:t>, </a:t>
-            </a:r>
-            <a:r>
-              <a:rPr lang="en-US" sz="900" b="1" dirty="0">
-                <a:solidFill>
-                  <a:schemeClr val="tx1"/>
-                </a:solidFill>
-              </a:rPr>
-              <a:t>mostly pays by credit card</a:t>
-            </a:r>
-            <a:r>
-              <a:rPr lang="en-US" sz="900" dirty="0">
-                <a:solidFill>
-                  <a:schemeClr val="tx1"/>
-                </a:solidFill>
-              </a:rPr>
-              <a:t>, </a:t>
-            </a:r>
-            <a:r>
-              <a:rPr lang="en-US" sz="900" b="1" dirty="0">
-                <a:solidFill>
-                  <a:schemeClr val="tx1"/>
-                </a:solidFill>
-              </a:rPr>
-              <a:t>high number of item bought and number of orders.  </a:t>
-            </a:r>
-          </a:p>
-          <a:p>
-            <a:pPr>
-              <a:lnSpc>
-                <a:spcPct val="200000"/>
-              </a:lnSpc>
-            </a:pPr>
-            <a:r>
-              <a:rPr lang="en-US" sz="900" b="1" dirty="0">
-                <a:solidFill>
-                  <a:srgbClr val="FF0000"/>
-                </a:solidFill>
-              </a:rPr>
-              <a:t>Segment 4: </a:t>
-            </a:r>
-            <a:r>
-              <a:rPr lang="en-US" sz="900" b="1" dirty="0">
-                <a:solidFill>
-                  <a:schemeClr val="tx1"/>
-                </a:solidFill>
-              </a:rPr>
-              <a:t>Rio Grande do Sul area</a:t>
-            </a:r>
-            <a:r>
-              <a:rPr lang="en-US" sz="900" dirty="0">
-                <a:solidFill>
-                  <a:schemeClr val="tx1"/>
-                </a:solidFill>
-              </a:rPr>
-              <a:t>, mostly interested in </a:t>
-            </a:r>
-            <a:r>
-              <a:rPr lang="en-US" sz="900" b="1" dirty="0">
-                <a:solidFill>
-                  <a:schemeClr val="tx1"/>
-                </a:solidFill>
-              </a:rPr>
-              <a:t>housewares, garden tools, furniture, decor, cool stuff and computer accessories</a:t>
-            </a:r>
-            <a:r>
-              <a:rPr lang="en-US" sz="900" dirty="0">
-                <a:solidFill>
-                  <a:schemeClr val="tx1"/>
-                </a:solidFill>
-              </a:rPr>
-              <a:t>, accepts higher shipping delay, </a:t>
-            </a:r>
-            <a:r>
-              <a:rPr lang="en-US" sz="900" b="1" dirty="0">
-                <a:solidFill>
-                  <a:schemeClr val="tx1"/>
-                </a:solidFill>
-              </a:rPr>
-              <a:t>less likely to use credit card and overpays items</a:t>
-            </a:r>
-            <a:r>
-              <a:rPr lang="en-US" sz="900" dirty="0">
-                <a:solidFill>
-                  <a:schemeClr val="tx1"/>
-                </a:solidFill>
-              </a:rPr>
-              <a:t>.</a:t>
-            </a:r>
-          </a:p>
-          <a:p>
-            <a:pPr>
-              <a:lnSpc>
-                <a:spcPct val="200000"/>
-              </a:lnSpc>
-            </a:pPr>
-            <a:r>
-              <a:rPr lang="en-US" sz="900" b="1" dirty="0">
-                <a:solidFill>
-                  <a:srgbClr val="7030A0"/>
-                </a:solidFill>
-              </a:rPr>
-              <a:t>Segment 5: </a:t>
-            </a:r>
-            <a:r>
-              <a:rPr lang="en-US" sz="900" dirty="0">
-                <a:solidFill>
-                  <a:schemeClr val="tx1"/>
-                </a:solidFill>
-              </a:rPr>
-              <a:t>Likely to be a </a:t>
-            </a:r>
-            <a:r>
-              <a:rPr lang="en-US" sz="900" b="1" dirty="0">
-                <a:solidFill>
-                  <a:schemeClr val="tx1"/>
-                </a:solidFill>
-              </a:rPr>
-              <a:t>returning customer</a:t>
-            </a:r>
-            <a:r>
-              <a:rPr lang="en-US" sz="900" dirty="0">
-                <a:solidFill>
-                  <a:schemeClr val="tx1"/>
-                </a:solidFill>
-              </a:rPr>
-              <a:t>, mostly interested in </a:t>
-            </a:r>
-            <a:r>
-              <a:rPr lang="en-US" sz="900" b="1" dirty="0">
-                <a:solidFill>
-                  <a:schemeClr val="tx1"/>
-                </a:solidFill>
-              </a:rPr>
-              <a:t>perfumery, garden tools and computer accessories</a:t>
-            </a:r>
-            <a:r>
-              <a:rPr lang="en-US" sz="900" dirty="0">
-                <a:solidFill>
-                  <a:schemeClr val="tx1"/>
-                </a:solidFill>
-              </a:rPr>
-              <a:t>, high review delay.</a:t>
-            </a:r>
-          </a:p>
-          <a:p>
-            <a:pPr>
-              <a:lnSpc>
-                <a:spcPct val="200000"/>
-              </a:lnSpc>
-            </a:pPr>
-            <a:r>
-              <a:rPr lang="en-US" sz="900" b="1" dirty="0">
-                <a:solidFill>
-                  <a:srgbClr val="794007"/>
-                </a:solidFill>
-              </a:rPr>
-              <a:t>Segment 6: </a:t>
-            </a:r>
-            <a:r>
-              <a:rPr lang="en-US" sz="900" b="1" dirty="0">
-                <a:solidFill>
-                  <a:schemeClr val="tx1"/>
-                </a:solidFill>
-              </a:rPr>
-              <a:t>Minas Gerais state</a:t>
-            </a:r>
-            <a:r>
-              <a:rPr lang="en-US" sz="900" dirty="0">
-                <a:solidFill>
-                  <a:schemeClr val="tx1"/>
-                </a:solidFill>
-              </a:rPr>
-              <a:t>, mostly interested in </a:t>
-            </a:r>
-            <a:r>
-              <a:rPr lang="en-US" sz="900" b="1" dirty="0">
-                <a:solidFill>
-                  <a:schemeClr val="tx1"/>
-                </a:solidFill>
-              </a:rPr>
-              <a:t>sports, leisure, furniture, decor and auto products</a:t>
-            </a:r>
-            <a:r>
-              <a:rPr lang="en-US" sz="900" dirty="0">
-                <a:solidFill>
-                  <a:schemeClr val="tx1"/>
-                </a:solidFill>
-              </a:rPr>
-              <a:t>, gives high rated reviews.</a:t>
-            </a:r>
+              <a:t> 0.94</a:t>
+            </a:r>
+            <a:endParaRPr lang="en-US" sz="1400" b="1" dirty="0">
+              <a:solidFill>
+                <a:schemeClr val="tx1"/>
+              </a:solidFill>
+            </a:endParaRPr>
           </a:p>
         </p:txBody>
       </p:sp>
@@ -17576,8 +17170,8 @@
         </p:nvSpPr>
         <p:spPr>
           <a:xfrm>
-            <a:off x="269938" y="0"/>
-            <a:ext cx="3864600" cy="550060"/>
+            <a:off x="344501" y="102492"/>
+            <a:ext cx="3864600" cy="414300"/>
           </a:xfrm>
         </p:spPr>
         <p:txBody>
@@ -17590,7 +17184,7 @@
                   <a:schemeClr val="tx1"/>
                 </a:solidFill>
               </a:rPr>
-              <a:t>Segment characteristics</a:t>
+              <a:t>Classification results</a:t>
             </a:r>
             <a:endParaRPr lang="en-US" b="1" dirty="0">
               <a:solidFill>
@@ -17602,148 +17196,84 @@
       </p:sp>
       <p:pic>
         <p:nvPicPr>
-          <p:cNvPr id="2050" name="Picture 2">
+          <p:cNvPr id="6" name="Picture 5">
             <a:extLst>
               <a:ext uri="{FF2B5EF4-FFF2-40B4-BE49-F238E27FC236}">
-                <a16:creationId xmlns:a16="http://schemas.microsoft.com/office/drawing/2014/main" id="{BA9E9BBE-0BDC-520E-2EB8-44801A73D5D5}"/>
+                <a16:creationId xmlns:a16="http://schemas.microsoft.com/office/drawing/2014/main" id="{C9F630BA-3891-1715-5491-FFCF4C09B736}"/>
               </a:ext>
             </a:extLst>
           </p:cNvPr>
           <p:cNvPicPr>
-            <a:picLocks noChangeAspect="1" noChangeArrowheads="1"/>
+            <a:picLocks noChangeAspect="1"/>
           </p:cNvPicPr>
           <p:nvPr/>
         </p:nvPicPr>
         <p:blipFill>
-          <a:blip r:embed="rId3">
-            <a:extLst>
-              <a:ext uri="{28A0092B-C50C-407E-A947-70E740481C1C}">
-                <a14:useLocalDpi xmlns:a14="http://schemas.microsoft.com/office/drawing/2010/main" val="0"/>
-              </a:ext>
-            </a:extLst>
-          </a:blip>
-          <a:srcRect/>
+          <a:blip r:embed="rId3"/>
           <a:stretch>
             <a:fillRect/>
           </a:stretch>
         </p:blipFill>
-        <p:spPr bwMode="auto">
+        <p:spPr>
           <a:xfrm>
-            <a:off x="5009461" y="0"/>
-            <a:ext cx="3598685" cy="1710000"/>
+            <a:off x="4572001" y="963930"/>
+            <a:ext cx="4572000" cy="3318805"/>
+          </a:xfrm>
+          <a:prstGeom prst="rect">
+            <a:avLst/>
+          </a:prstGeom>
+          <a:ln>
+            <a:solidFill>
+              <a:schemeClr val="tx1"/>
+            </a:solidFill>
+          </a:ln>
+        </p:spPr>
+      </p:pic>
+      <p:sp>
+        <p:nvSpPr>
+          <p:cNvPr id="7" name="TextBox 6">
+            <a:extLst>
+              <a:ext uri="{FF2B5EF4-FFF2-40B4-BE49-F238E27FC236}">
+                <a16:creationId xmlns:a16="http://schemas.microsoft.com/office/drawing/2014/main" id="{700CA460-CDAB-FDF8-E48E-A4B27D788D16}"/>
+              </a:ext>
+            </a:extLst>
+          </p:cNvPr>
+          <p:cNvSpPr txBox="1"/>
+          <p:nvPr/>
+        </p:nvSpPr>
+        <p:spPr>
+          <a:xfrm>
+            <a:off x="4602481" y="610590"/>
+            <a:ext cx="4511040" cy="307777"/>
           </a:xfrm>
           <a:prstGeom prst="rect">
             <a:avLst/>
           </a:prstGeom>
           <a:noFill/>
-          <a:ln>
-            <a:solidFill>
-              <a:schemeClr val="tx1"/>
-            </a:solidFill>
-          </a:ln>
-          <a:extLst>
-            <a:ext uri="{909E8E84-426E-40DD-AFC4-6F175D3DCCD1}">
-              <a14:hiddenFill xmlns:a14="http://schemas.microsoft.com/office/drawing/2010/main">
-                <a:solidFill>
-                  <a:srgbClr val="FFFFFF"/>
-                </a:solidFill>
-              </a14:hiddenFill>
-            </a:ext>
-          </a:extLst>
         </p:spPr>
-      </p:pic>
-      <p:pic>
-        <p:nvPicPr>
-          <p:cNvPr id="2" name="Picture 2">
-            <a:extLst>
-              <a:ext uri="{FF2B5EF4-FFF2-40B4-BE49-F238E27FC236}">
-                <a16:creationId xmlns:a16="http://schemas.microsoft.com/office/drawing/2014/main" id="{CDA228D0-4681-4C5E-1E70-16FB856CEB1F}"/>
-              </a:ext>
-            </a:extLst>
-          </p:cNvPr>
-          <p:cNvPicPr>
-            <a:picLocks noChangeAspect="1" noChangeArrowheads="1"/>
-          </p:cNvPicPr>
-          <p:nvPr/>
-        </p:nvPicPr>
-        <p:blipFill>
-          <a:blip r:embed="rId4"/>
-          <a:srcRect/>
-          <a:stretch/>
-        </p:blipFill>
-        <p:spPr bwMode="auto">
-          <a:xfrm>
-            <a:off x="5009460" y="1723501"/>
-            <a:ext cx="3598685" cy="1710000"/>
-          </a:xfrm>
-          <a:prstGeom prst="rect">
-            <a:avLst/>
-          </a:prstGeom>
-          <a:noFill/>
-          <a:ln>
-            <a:solidFill>
-              <a:schemeClr val="tx1"/>
-            </a:solidFill>
-          </a:ln>
-          <a:extLst>
-            <a:ext uri="{909E8E84-426E-40DD-AFC4-6F175D3DCCD1}">
-              <a14:hiddenFill xmlns:a14="http://schemas.microsoft.com/office/drawing/2010/main">
-                <a:solidFill>
-                  <a:srgbClr val="FFFFFF"/>
-                </a:solidFill>
-              </a14:hiddenFill>
-            </a:ext>
-          </a:extLst>
-        </p:spPr>
-      </p:pic>
-      <p:pic>
-        <p:nvPicPr>
-          <p:cNvPr id="5" name="Picture 2">
-            <a:extLst>
-              <a:ext uri="{FF2B5EF4-FFF2-40B4-BE49-F238E27FC236}">
-                <a16:creationId xmlns:a16="http://schemas.microsoft.com/office/drawing/2014/main" id="{462BC5BF-F4D4-F3BC-2489-E20B8271B15C}"/>
-              </a:ext>
-            </a:extLst>
-          </p:cNvPr>
-          <p:cNvPicPr>
-            <a:picLocks noChangeAspect="1" noChangeArrowheads="1"/>
-          </p:cNvPicPr>
-          <p:nvPr/>
-        </p:nvPicPr>
-        <p:blipFill>
-          <a:blip r:embed="rId5"/>
-          <a:srcRect/>
-          <a:stretch/>
-        </p:blipFill>
-        <p:spPr bwMode="auto">
-          <a:xfrm>
-            <a:off x="5009460" y="3440141"/>
-            <a:ext cx="3598685" cy="1696718"/>
-          </a:xfrm>
-          <a:prstGeom prst="rect">
-            <a:avLst/>
-          </a:prstGeom>
-          <a:noFill/>
-          <a:ln>
-            <a:solidFill>
-              <a:schemeClr val="tx1"/>
-            </a:solidFill>
-          </a:ln>
-          <a:extLst>
-            <a:ext uri="{909E8E84-426E-40DD-AFC4-6F175D3DCCD1}">
-              <a14:hiddenFill xmlns:a14="http://schemas.microsoft.com/office/drawing/2010/main">
-                <a:solidFill>
-                  <a:srgbClr val="FFFFFF"/>
-                </a:solidFill>
-              </a14:hiddenFill>
-            </a:ext>
-          </a:extLst>
-        </p:spPr>
-      </p:pic>
+        <p:txBody>
+          <a:bodyPr wrap="square" rtlCol="0">
+            <a:spAutoFit/>
+          </a:bodyPr>
+          <a:lstStyle/>
+          <a:p>
+            <a:pPr algn="ctr"/>
+            <a:r>
+              <a:rPr lang="fr-FR" b="1" u="sng" dirty="0"/>
+              <a:t>Model </a:t>
+            </a:r>
+            <a:r>
+              <a:rPr lang="fr-FR" b="1" u="sng" dirty="0" err="1"/>
+              <a:t>Summary</a:t>
+            </a:r>
+            <a:endParaRPr lang="fr-FR" b="1" u="sng" dirty="0"/>
+          </a:p>
+        </p:txBody>
+      </p:sp>
     </p:spTree>
     <p:extLst>
       <p:ext uri="{BB962C8B-B14F-4D97-AF65-F5344CB8AC3E}">
-        <p14:creationId xmlns:p14="http://schemas.microsoft.com/office/powerpoint/2010/main" val="621068953"/>
+        <p14:creationId xmlns:p14="http://schemas.microsoft.com/office/powerpoint/2010/main" val="2528310754"/>
       </p:ext>
     </p:extLst>
   </p:cSld>
@@ -18114,7 +17644,7 @@
                 </a:solidFill>
                 <a:sym typeface="Wingdings" panose="05000000000000000000" pitchFamily="2" charset="2"/>
               </a:rPr>
-              <a:t>This project has outlined </a:t>
+              <a:t>During this project, image and text data from the Yelp dataset has been </a:t>
             </a:r>
             <a:r>
               <a:rPr lang="en-US" sz="1600" b="1" dirty="0">
@@ -18123,8 +17653,227 @@
                 </a:solidFill>
                 <a:sym typeface="Wingdings" panose="05000000000000000000" pitchFamily="2" charset="2"/>
               </a:rPr>
-              <a:t>6 stable customer segments  fulfill business need</a:t>
-            </a:r>
+              <a:t>analyzed and preprocessed.</a:t>
+            </a:r>
+          </a:p>
+          <a:p>
+            <a:endParaRPr lang="en-US" sz="800" dirty="0">
+              <a:solidFill>
+                <a:schemeClr val="tx1"/>
+              </a:solidFill>
+              <a:sym typeface="Wingdings" panose="05000000000000000000" pitchFamily="2" charset="2"/>
+            </a:endParaRPr>
+          </a:p>
+          <a:p>
+            <a:r>
+              <a:rPr lang="en-US" sz="1600" dirty="0">
+                <a:solidFill>
+                  <a:schemeClr val="tx1"/>
+                </a:solidFill>
+                <a:sym typeface="Wingdings" panose="05000000000000000000" pitchFamily="2" charset="2"/>
+              </a:rPr>
+              <a:t>We have outlined a topic identification algorithm and identified the 3 main topics of dissatisfaction among Yelp Reviews :</a:t>
+            </a:r>
+          </a:p>
+          <a:p>
+            <a:pPr lvl="1">
+              <a:buFont typeface="Wingdings" panose="05000000000000000000" pitchFamily="2" charset="2"/>
+              <a:buChar char="Ø"/>
+            </a:pPr>
+            <a:r>
+              <a:rPr lang="en-US" sz="1600" b="1" dirty="0">
+                <a:solidFill>
+                  <a:schemeClr val="tx1"/>
+                </a:solidFill>
+                <a:sym typeface="Wingdings" panose="05000000000000000000" pitchFamily="2" charset="2"/>
+              </a:rPr>
+              <a:t>Restaurant cleanliness</a:t>
+            </a:r>
+          </a:p>
+          <a:p>
+            <a:pPr lvl="1">
+              <a:buFont typeface="Wingdings" panose="05000000000000000000" pitchFamily="2" charset="2"/>
+              <a:buChar char="Ø"/>
+            </a:pPr>
+            <a:r>
+              <a:rPr lang="en-US" sz="1600" b="1" dirty="0">
+                <a:solidFill>
+                  <a:schemeClr val="tx1"/>
+                </a:solidFill>
+                <a:sym typeface="Wingdings" panose="05000000000000000000" pitchFamily="2" charset="2"/>
+              </a:rPr>
+              <a:t>Bad attitude </a:t>
+            </a:r>
+            <a:r>
+              <a:rPr lang="en-US" sz="1600" dirty="0">
+                <a:solidFill>
+                  <a:schemeClr val="tx1"/>
+                </a:solidFill>
+                <a:sym typeface="Wingdings" panose="05000000000000000000" pitchFamily="2" charset="2"/>
+              </a:rPr>
+              <a:t>from the bartender</a:t>
+            </a:r>
+          </a:p>
+          <a:p>
+            <a:pPr lvl="1">
+              <a:buFont typeface="Wingdings" panose="05000000000000000000" pitchFamily="2" charset="2"/>
+              <a:buChar char="Ø"/>
+            </a:pPr>
+            <a:r>
+              <a:rPr lang="en-US" sz="1600" b="1" dirty="0">
+                <a:solidFill>
+                  <a:schemeClr val="tx1"/>
+                </a:solidFill>
+                <a:sym typeface="Wingdings" panose="05000000000000000000" pitchFamily="2" charset="2"/>
+              </a:rPr>
+              <a:t>Overpriced food and poor service</a:t>
+            </a:r>
+          </a:p>
+          <a:p>
+            <a:pPr marL="171450" indent="0">
+              <a:buNone/>
+            </a:pPr>
+            <a:endParaRPr lang="en-US" sz="800" dirty="0">
+              <a:solidFill>
+                <a:schemeClr val="tx1"/>
+              </a:solidFill>
+              <a:sym typeface="Wingdings" panose="05000000000000000000" pitchFamily="2" charset="2"/>
+            </a:endParaRPr>
+          </a:p>
+          <a:p>
+            <a:r>
+              <a:rPr lang="en-US" sz="1600" dirty="0">
+                <a:solidFill>
+                  <a:schemeClr val="tx1"/>
+                </a:solidFill>
+                <a:sym typeface="Wingdings" panose="05000000000000000000" pitchFamily="2" charset="2"/>
+              </a:rPr>
+              <a:t>We have defined a </a:t>
+            </a:r>
+            <a:r>
+              <a:rPr lang="en-US" sz="1600" b="1" dirty="0">
+                <a:solidFill>
+                  <a:schemeClr val="tx1"/>
+                </a:solidFill>
+                <a:sym typeface="Wingdings" panose="05000000000000000000" pitchFamily="2" charset="2"/>
+              </a:rPr>
+              <a:t>draft image classification model </a:t>
+            </a:r>
+            <a:r>
+              <a:rPr lang="en-US" sz="1600" dirty="0">
+                <a:solidFill>
+                  <a:schemeClr val="tx1"/>
+                </a:solidFill>
+                <a:sym typeface="Wingdings" panose="05000000000000000000" pitchFamily="2" charset="2"/>
+              </a:rPr>
+              <a:t> proof that Good Dinner’s AI will be able to label images with collected images.</a:t>
+            </a:r>
+          </a:p>
+          <a:p>
+            <a:endParaRPr lang="en-US" sz="800" b="1" dirty="0">
+              <a:solidFill>
+                <a:schemeClr val="tx1"/>
+              </a:solidFill>
+              <a:sym typeface="Wingdings" panose="05000000000000000000" pitchFamily="2" charset="2"/>
+            </a:endParaRPr>
+          </a:p>
+          <a:p>
+            <a:r>
+              <a:rPr lang="en-US" sz="1600" b="1" dirty="0">
+                <a:solidFill>
+                  <a:schemeClr val="tx1"/>
+                </a:solidFill>
+                <a:sym typeface="Wingdings" panose="05000000000000000000" pitchFamily="2" charset="2"/>
+              </a:rPr>
+              <a:t>Recommendations </a:t>
+            </a:r>
+            <a:r>
+              <a:rPr lang="en-US" sz="1600" dirty="0">
+                <a:solidFill>
+                  <a:schemeClr val="tx1"/>
+                </a:solidFill>
+                <a:sym typeface="Wingdings" panose="05000000000000000000" pitchFamily="2" charset="2"/>
+              </a:rPr>
+              <a:t>: </a:t>
+            </a:r>
+          </a:p>
+          <a:p>
+            <a:pPr lvl="1">
+              <a:buFont typeface="Wingdings" panose="05000000000000000000" pitchFamily="2" charset="2"/>
+              <a:buChar char="Ø"/>
+            </a:pPr>
+            <a:r>
+              <a:rPr lang="en-US" sz="1600" b="1" dirty="0">
+                <a:solidFill>
+                  <a:schemeClr val="tx1"/>
+                </a:solidFill>
+                <a:sym typeface="Wingdings" panose="05000000000000000000" pitchFamily="2" charset="2"/>
+              </a:rPr>
+              <a:t>Improve restaurant cleanliness, serving staff attitude and value for money</a:t>
+            </a:r>
+          </a:p>
+          <a:p>
+            <a:pPr lvl="1">
+              <a:buFont typeface="Wingdings" panose="05000000000000000000" pitchFamily="2" charset="2"/>
+              <a:buChar char="Ø"/>
+            </a:pPr>
+            <a:r>
+              <a:rPr lang="en-US" sz="1600" b="1" dirty="0">
+                <a:solidFill>
+                  <a:schemeClr val="tx1"/>
+                </a:solidFill>
+                <a:sym typeface="Wingdings" panose="05000000000000000000" pitchFamily="2" charset="2"/>
+              </a:rPr>
+              <a:t>Improve classification model</a:t>
+            </a:r>
+            <a:r>
+              <a:rPr lang="en-US" sz="1600" dirty="0">
+                <a:solidFill>
+                  <a:schemeClr val="tx1"/>
+                </a:solidFill>
+                <a:sym typeface="Wingdings" panose="05000000000000000000" pitchFamily="2" charset="2"/>
+              </a:rPr>
+              <a:t> with fine tuning </a:t>
+            </a:r>
+            <a:r>
+              <a:rPr lang="en-US" sz="1600" b="1" dirty="0">
+                <a:solidFill>
+                  <a:schemeClr val="tx1"/>
+                </a:solidFill>
+                <a:sym typeface="Wingdings" panose="05000000000000000000" pitchFamily="2" charset="2"/>
+              </a:rPr>
+              <a:t>to identify labels with high accuracy</a:t>
+            </a:r>
+          </a:p>
+          <a:p>
+            <a:pPr lvl="1">
+              <a:buFont typeface="Wingdings" panose="05000000000000000000" pitchFamily="2" charset="2"/>
+              <a:buChar char="Ø"/>
+            </a:pPr>
+            <a:endParaRPr lang="en-US" sz="1600" b="1" dirty="0">
+              <a:solidFill>
+                <a:schemeClr val="tx1"/>
+              </a:solidFill>
+              <a:sym typeface="Wingdings" panose="05000000000000000000" pitchFamily="2" charset="2"/>
+            </a:endParaRPr>
+          </a:p>
+          <a:p>
+            <a:pPr lvl="1">
+              <a:buFont typeface="Arial" panose="020B0604020202020204" pitchFamily="34" charset="0"/>
+              <a:buChar char="•"/>
+            </a:pPr>
+            <a:endParaRPr lang="en-US" sz="1600" b="1" dirty="0">
+              <a:solidFill>
+                <a:schemeClr val="tx1"/>
+              </a:solidFill>
+              <a:sym typeface="Wingdings" panose="05000000000000000000" pitchFamily="2" charset="2"/>
+            </a:endParaRPr>
+          </a:p>
+          <a:p>
+            <a:pPr lvl="1">
+              <a:buFont typeface="Wingdings" panose="05000000000000000000" pitchFamily="2" charset="2"/>
+              <a:buChar char="Ø"/>
+            </a:pPr>
             <a:endParaRPr lang="en-US" sz="1600" dirty="0">
               <a:solidFill>
                 <a:schemeClr val="tx1"/>
@@ -18133,11 +17882,6 @@
             </a:endParaRPr>
           </a:p>
           <a:p>
-            <a:pPr>
-              <a:lnSpc>
-                <a:spcPct val="100000"/>
-              </a:lnSpc>
-            </a:pPr>
             <a:endParaRPr lang="en-US" sz="1000" dirty="0">
               <a:solidFill>
                 <a:schemeClr val="tx1"/>
@@ -18387,7 +18131,7 @@
         </p:nvSpPr>
         <p:spPr>
           <a:xfrm>
-            <a:off x="344501" y="136782"/>
+            <a:off x="359741" y="38100"/>
             <a:ext cx="7797000" cy="414300"/>
           </a:xfrm>
         </p:spPr>
@@ -18397,7 +18141,7 @@
           <a:p>
             <a:r>
               <a:rPr lang="en-US" b="1" dirty="0"/>
-              <a:t>Recommendations</a:t>
+              <a:t>Conclusion</a:t>
             </a:r>
           </a:p>
         </p:txBody>
@@ -18636,10 +18380,28 @@
               <a:buChar char="Ø"/>
             </a:pPr>
             <a:r>
+              <a:rPr lang="fr-FR" sz="2000" dirty="0" err="1">
+                <a:latin typeface="Google Sans" panose="020B0604020202020204" charset="0"/>
+              </a:rPr>
+              <a:t>Multiclass</a:t>
+            </a:r>
+            <a:r>
               <a:rPr lang="fr-FR" sz="2000" dirty="0">
                 <a:latin typeface="Google Sans" panose="020B0604020202020204" charset="0"/>
               </a:rPr>
-              <a:t>Multi-class Classification</a:t>
+              <a:t> Classification </a:t>
+            </a:r>
+            <a:r>
+              <a:rPr lang="fr-FR" sz="2000" dirty="0" err="1">
+                <a:latin typeface="Google Sans" panose="020B0604020202020204" charset="0"/>
+              </a:rPr>
+              <a:t>using</a:t>
+            </a:r>
+            <a:r>
+              <a:rPr lang="fr-FR" sz="2000" dirty="0">
+                <a:latin typeface="Google Sans" panose="020B0604020202020204" charset="0"/>
+              </a:rPr>
+              <a:t> Transfer Learning</a:t>
             </a:r>
           </a:p>
           <a:p>
@@ -19230,25 +18992,7 @@
                 </a:solidFill>
                 <a:sym typeface="Wingdings" panose="05000000000000000000" pitchFamily="2" charset="2"/>
               </a:rPr>
-              <a:t>using dedicated algorithms in order to </a:t>
-            </a:r>
-            <a:r>
-              <a:rPr lang="en-US" sz="1600" dirty="0" err="1">
-                <a:solidFill>
-                  <a:schemeClr val="tx1"/>
-                </a:solidFill>
-                <a:sym typeface="Wingdings" panose="05000000000000000000" pitchFamily="2" charset="2"/>
-              </a:rPr>
-              <a:t>fullfil</a:t>
-            </a:r>
-            <a:r>
-              <a:rPr lang="en-US" sz="1600" dirty="0">
-                <a:solidFill>
-                  <a:schemeClr val="tx1"/>
-                </a:solidFill>
-                <a:sym typeface="Wingdings" panose="05000000000000000000" pitchFamily="2" charset="2"/>
-              </a:rPr>
-              <a:t> </a:t>
+              <a:t>using dedicated algorithms in order to fulfill </a:t>
             </a:r>
             <a:r>
               <a:rPr lang="en-US" sz="1600" b="1" dirty="0">
@@ -19685,7 +19429,25 @@
                 </a:solidFill>
                 <a:sym typeface="Wingdings" panose="05000000000000000000" pitchFamily="2" charset="2"/>
               </a:rPr>
-              <a:t>5 csv files</a:t>
+              <a:t>5 </a:t>
+            </a:r>
+            <a:r>
+              <a:rPr lang="en-US" sz="1600" dirty="0" err="1">
+                <a:solidFill>
+                  <a:schemeClr val="tx1"/>
+                </a:solidFill>
+                <a:sym typeface="Wingdings" panose="05000000000000000000" pitchFamily="2" charset="2"/>
+              </a:rPr>
+              <a:t>json</a:t>
+            </a:r>
+            <a:r>
+              <a:rPr lang="en-US" sz="1600" dirty="0">
+                <a:solidFill>
+                  <a:schemeClr val="tx1"/>
+                </a:solidFill>
+                <a:sym typeface="Wingdings" panose="05000000000000000000" pitchFamily="2" charset="2"/>
+              </a:rPr>
+              <a:t> files</a:t>
             </a:r>
           </a:p>
           <a:p>
@@ -22146,6 +21908,40 @@
           </a:p>
         </p:txBody>
       </p:sp>
+      <p:pic>
+        <p:nvPicPr>
+          <p:cNvPr id="4" name="Picture 3">
+            <a:extLst>
+              <a:ext uri="{FF2B5EF4-FFF2-40B4-BE49-F238E27FC236}">
+                <a16:creationId xmlns:a16="http://schemas.microsoft.com/office/drawing/2014/main" id="{E476709D-9B93-E004-1C07-B08F8F24F43A}"/>
+              </a:ext>
+            </a:extLst>
+          </p:cNvPr>
+          <p:cNvPicPr>
+            <a:picLocks noChangeAspect="1"/>
+          </p:cNvPicPr>
+          <p:nvPr/>
+        </p:nvPicPr>
+        <p:blipFill rotWithShape="1">
+          <a:blip r:embed="rId3"/>
+          <a:srcRect b="21630"/>
+          <a:stretch/>
+        </p:blipFill>
+        <p:spPr>
+          <a:xfrm>
+            <a:off x="4554714" y="323850"/>
+            <a:ext cx="4589286" cy="4495801"/>
+          </a:xfrm>
+          <a:prstGeom prst="rect">
+            <a:avLst/>
+          </a:prstGeom>
+          <a:ln>
+            <a:solidFill>
+              <a:schemeClr val="tx1"/>
+            </a:solidFill>
+          </a:ln>
+        </p:spPr>
+      </p:pic>
     </p:spTree>
     <p:extLst>
       <p:ext uri="{BB962C8B-B14F-4D97-AF65-F5344CB8AC3E}">

--- a/P6_03_Presentation.pptx
+++ b/P6_03_Presentation.pptx
@@ -16462,7 +16462,7 @@
                 </a:solidFill>
                 <a:sym typeface="Wingdings" panose="05000000000000000000" pitchFamily="2" charset="2"/>
               </a:rPr>
-              <a:t>Reducing dimension </a:t>
+              <a:t>Averaging Convolutional Layers </a:t>
             </a:r>
             <a:r>
               <a:rPr lang="en-US" sz="1400" dirty="0">
@@ -16537,7 +16537,7 @@
                 </a:solidFill>
                 <a:sym typeface="Wingdings" panose="05000000000000000000" pitchFamily="2" charset="2"/>
               </a:rPr>
-              <a:t>No separation </a:t>
+              <a:t>No clear separation </a:t>
             </a:r>
             <a:r>
               <a:rPr lang="en-US" sz="1400" dirty="0">
